--- a/Lu_Jing_4_presentation_032023.pptx
+++ b/Lu_Jing_4_presentation_032023.pptx
@@ -17,8 +17,8 @@
     <p:sldId id="332" r:id="rId8"/>
     <p:sldId id="320" r:id="rId9"/>
     <p:sldId id="337" r:id="rId10"/>
-    <p:sldId id="328" r:id="rId11"/>
-    <p:sldId id="329" r:id="rId12"/>
+    <p:sldId id="329" r:id="rId11"/>
+    <p:sldId id="328" r:id="rId12"/>
     <p:sldId id="333" r:id="rId13"/>
     <p:sldId id="335" r:id="rId14"/>
     <p:sldId id="334" r:id="rId15"/>
@@ -653,9 +653,165 @@
               <a:tabLst/>
               <a:defRPr/>
             </a:pPr>
+            <a:r>
+              <a:rPr lang="fr-FR" sz="1200" b="1" dirty="0"/>
+              <a:t>6198 car il se trompe pour chaque client ce client se cout 10 fois plus cher que un client solvable mais crédit non accordé </a:t>
+            </a:r>
+          </a:p>
+          <a:p>
+            <a:pPr marL="0" marR="0" lvl="0" indent="0" algn="l" defTabSz="914400" rtl="0" eaLnBrk="1" fontAlgn="auto" latinLnBrk="0" hangingPunct="1">
+              <a:lnSpc>
+                <a:spcPct val="100000"/>
+              </a:lnSpc>
+              <a:spcBef>
+                <a:spcPts val="0"/>
+              </a:spcBef>
+              <a:spcAft>
+                <a:spcPts val="0"/>
+              </a:spcAft>
+              <a:buClrTx/>
+              <a:buSzTx/>
+              <a:buFontTx/>
+              <a:buNone/>
+              <a:tabLst/>
+              <a:defRPr/>
+            </a:pPr>
+            <a:r>
+              <a:rPr lang="fr-FR" sz="1200" b="1" dirty="0"/>
+              <a:t>La matrice de confusion du meilleur modèle opérationnel avec un seuil appliqué qu’on nous donne le plus petit erreur </a:t>
+            </a:r>
+          </a:p>
+          <a:p>
+            <a:pPr marL="0" marR="0" lvl="0" indent="0" algn="l" defTabSz="914400" rtl="0" eaLnBrk="1" fontAlgn="auto" latinLnBrk="0" hangingPunct="1">
+              <a:lnSpc>
+                <a:spcPct val="100000"/>
+              </a:lnSpc>
+              <a:spcBef>
+                <a:spcPts val="0"/>
+              </a:spcBef>
+              <a:spcAft>
+                <a:spcPts val="0"/>
+              </a:spcAft>
+              <a:buClrTx/>
+              <a:buSzTx/>
+              <a:buFontTx/>
+              <a:buNone/>
+              <a:tabLst/>
+              <a:defRPr/>
+            </a:pPr>
+            <a:r>
+              <a:rPr lang="fr-FR" sz="1200" b="1" dirty="0"/>
+              <a:t>Puis on va chercher un seuil on lui a appliqué cette pénalité que un faut positif qui coute 10 fois plus cher qu’un faux négatif , qui se trompera plus que mon modèle opérationnel le premier mais par contre il se trompera bcp moins sur les faux positif </a:t>
+            </a:r>
+          </a:p>
+          <a:p>
+            <a:pPr marL="0" marR="0" lvl="0" indent="0" algn="l" defTabSz="914400" rtl="0" eaLnBrk="1" fontAlgn="auto" latinLnBrk="0" hangingPunct="1">
+              <a:lnSpc>
+                <a:spcPct val="100000"/>
+              </a:lnSpc>
+              <a:spcBef>
+                <a:spcPts val="0"/>
+              </a:spcBef>
+              <a:spcAft>
+                <a:spcPts val="0"/>
+              </a:spcAft>
+              <a:buClrTx/>
+              <a:buSzTx/>
+              <a:buFontTx/>
+              <a:buNone/>
+              <a:tabLst/>
+              <a:defRPr/>
+            </a:pPr>
             <a:endParaRPr lang="fr-FR" sz="1200" b="1" dirty="0"/>
           </a:p>
           <a:p>
+            <a:pPr marL="0" marR="0" lvl="0" indent="0" algn="l" defTabSz="914400" rtl="0" eaLnBrk="1" fontAlgn="auto" latinLnBrk="0" hangingPunct="1">
+              <a:lnSpc>
+                <a:spcPct val="100000"/>
+              </a:lnSpc>
+              <a:spcBef>
+                <a:spcPts val="0"/>
+              </a:spcBef>
+              <a:spcAft>
+                <a:spcPts val="0"/>
+              </a:spcAft>
+              <a:buClrTx/>
+              <a:buSzTx/>
+              <a:buFontTx/>
+              <a:buNone/>
+              <a:tabLst/>
+              <a:defRPr/>
+            </a:pPr>
+            <a:r>
+              <a:rPr lang="fr-FR" sz="1200" b="1" dirty="0"/>
+              <a:t>Quand on calcule un RMSE c’est ma fonction de cout , c’est la je fais la plus petite erreur la avec la fonction de cout métier si tu veux on trouve le meilleur modèle qui nous faire perdre le moindre d’argent possible </a:t>
+            </a:r>
+          </a:p>
+          <a:p>
+            <a:endParaRPr lang="fr-FR" dirty="0"/>
+          </a:p>
+          <a:p>
+            <a:r>
+              <a:rPr lang="fr-FR" dirty="0"/>
+              <a:t>Ya tj un seuil, c’est mon seuil de proba </a:t>
+            </a:r>
+          </a:p>
+          <a:p>
+            <a:r>
+              <a:rPr lang="fr-FR" dirty="0"/>
+              <a:t>Alors 1</a:t>
+            </a:r>
+            <a:r>
+              <a:rPr lang="fr-FR" baseline="30000" dirty="0"/>
+              <a:t>er</a:t>
+            </a:r>
+            <a:r>
+              <a:rPr lang="fr-FR" dirty="0"/>
+              <a:t> je l’ai défini techniquement = la plus petite erreur ce soit un faut négatif ou un faut positif peu import</a:t>
+            </a:r>
+          </a:p>
+          <a:p>
+            <a:r>
+              <a:rPr lang="fr-FR" dirty="0"/>
+              <a:t>Le 2</a:t>
+            </a:r>
+            <a:r>
+              <a:rPr lang="fr-FR" baseline="30000" dirty="0"/>
+              <a:t>ème</a:t>
+            </a:r>
+            <a:r>
+              <a:rPr lang="fr-FR" dirty="0"/>
+              <a:t> c’est le seuil qui me donne le moins possible de faux positif du coup le cout métier est bcp plus faible parce que j’ai </a:t>
+            </a:r>
+            <a:r>
+              <a:rPr lang="fr-FR" dirty="0" err="1"/>
+              <a:t>decendu</a:t>
+            </a:r>
+            <a:r>
+              <a:rPr lang="fr-FR" dirty="0"/>
+              <a:t> de 6198 à 1140 sachant que chaque client cout 10 fois plus cher quand je trompe ailleurs donc c’est  normal que j’ai un cout métier bcp plus bas je perd moins d’argent </a:t>
+            </a:r>
+          </a:p>
+          <a:p>
+            <a:endParaRPr lang="fr-FR" dirty="0"/>
+          </a:p>
+          <a:p>
+            <a:r>
+              <a:rPr lang="fr-FR" dirty="0"/>
+              <a:t>Pour la fonction de cout je l’ai pas défini </a:t>
+            </a:r>
+            <a:r>
+              <a:rPr lang="fr-FR"/>
+              <a:t>par hasard c’est </a:t>
+            </a:r>
+            <a:r>
+              <a:rPr lang="fr-FR" dirty="0"/>
+              <a:t>mon recalcul de fonction de cout qui permet d’ajuster ce seuil pour que j’aie le moindre faux </a:t>
+            </a:r>
+            <a:r>
+              <a:rPr lang="fr-FR"/>
+              <a:t>positif possible  </a:t>
+            </a:r>
             <a:endParaRPr lang="fr-FR" dirty="0"/>
           </a:p>
         </p:txBody>
@@ -760,7 +916,18 @@
             <a:endParaRPr lang="fr-FR" sz="1200" b="1" dirty="0"/>
           </a:p>
           <a:p>
-            <a:endParaRPr lang="fr-FR" dirty="0"/>
+            <a:r>
+              <a:rPr lang="fr-FR" dirty="0"/>
+              <a:t>Pour ce modèle optimum avec le fonction de coût métier, je peux montrer les variables local et global avec l </a:t>
+            </a:r>
+            <a:r>
+              <a:rPr lang="fr-FR" dirty="0" err="1"/>
+              <a:t>example</a:t>
+            </a:r>
+            <a:r>
+              <a:rPr lang="fr-FR" dirty="0"/>
+              <a:t> ID 60</a:t>
+            </a:r>
           </a:p>
         </p:txBody>
       </p:sp>
@@ -1200,10 +1367,7 @@
           <a:bodyPr/>
           <a:lstStyle/>
           <a:p>
-            <a:r>
-              <a:rPr lang="fr-FR" dirty="0"/>
-              <a:t>faut rajouter un slide je dois présenter déséquilibre des données </a:t>
-            </a:r>
+            <a:endParaRPr lang="fr-FR" dirty="0"/>
           </a:p>
         </p:txBody>
       </p:sp>
@@ -1559,191 +1723,10 @@
               <a:tabLst/>
               <a:defRPr/>
             </a:pPr>
-            <a:r>
-              <a:rPr lang="fr-FR" sz="1200" b="1" dirty="0"/>
-              <a:t>Quand on compare le taux RMSE, MSE et RSE, (taux erreur ) </a:t>
-            </a:r>
-            <a:r>
-              <a:rPr lang="fr-FR" sz="1200" b="1" dirty="0" err="1"/>
-              <a:t>random</a:t>
-            </a:r>
-            <a:r>
-              <a:rPr lang="fr-FR" sz="1200" b="1" dirty="0"/>
-              <a:t> </a:t>
-            </a:r>
-            <a:r>
-              <a:rPr lang="fr-FR" sz="1200" b="1" dirty="0" err="1"/>
-              <a:t>forest</a:t>
-            </a:r>
-            <a:r>
-              <a:rPr lang="fr-FR" sz="1200" b="1" dirty="0"/>
-              <a:t> ; LGBM et XG Boost ont a peu près la même chose</a:t>
-            </a:r>
-          </a:p>
-          <a:p>
-            <a:pPr marL="0" marR="0" lvl="0" indent="0" algn="l" defTabSz="914400" rtl="0" eaLnBrk="1" fontAlgn="auto" latinLnBrk="0" hangingPunct="1">
-              <a:lnSpc>
-                <a:spcPct val="100000"/>
-              </a:lnSpc>
-              <a:spcBef>
-                <a:spcPts val="0"/>
-              </a:spcBef>
-              <a:spcAft>
-                <a:spcPts val="0"/>
-              </a:spcAft>
-              <a:buClrTx/>
-              <a:buSzTx/>
-              <a:buFontTx/>
-              <a:buNone/>
-              <a:tabLst/>
-              <a:defRPr/>
-            </a:pPr>
             <a:endParaRPr lang="fr-FR" sz="1200" b="1" dirty="0"/>
           </a:p>
           <a:p>
-            <a:pPr marL="0" marR="0" lvl="0" indent="0" algn="l" defTabSz="914400" rtl="0" eaLnBrk="1" fontAlgn="auto" latinLnBrk="0" hangingPunct="1">
-              <a:lnSpc>
-                <a:spcPct val="100000"/>
-              </a:lnSpc>
-              <a:spcBef>
-                <a:spcPts val="0"/>
-              </a:spcBef>
-              <a:spcAft>
-                <a:spcPts val="0"/>
-              </a:spcAft>
-              <a:buClrTx/>
-              <a:buSzTx/>
-              <a:buFontTx/>
-              <a:buNone/>
-              <a:tabLst/>
-              <a:defRPr/>
-            </a:pPr>
-            <a:r>
-              <a:rPr lang="fr-FR" sz="1200" b="1" dirty="0"/>
-              <a:t>AUC: </a:t>
-            </a:r>
-            <a:r>
-              <a:rPr lang="fr-FR" sz="1200" b="1" dirty="0" err="1"/>
-              <a:t>Random</a:t>
-            </a:r>
-            <a:r>
-              <a:rPr lang="fr-FR" sz="1200" b="1" dirty="0"/>
-              <a:t> Forest, LGBM et </a:t>
-            </a:r>
-            <a:r>
-              <a:rPr lang="fr-FR" sz="1200" b="1" dirty="0" err="1"/>
-              <a:t>XGBoost</a:t>
-            </a:r>
-            <a:r>
-              <a:rPr lang="fr-FR" sz="1200" b="1" dirty="0"/>
-              <a:t>, prendre celui le plus élevé , s’ils sont a peut </a:t>
-            </a:r>
-            <a:r>
-              <a:rPr lang="fr-FR" sz="1200" b="1" dirty="0" err="1"/>
-              <a:t>pres</a:t>
-            </a:r>
-            <a:r>
-              <a:rPr lang="fr-FR" sz="1200" b="1" dirty="0"/>
-              <a:t> la </a:t>
-            </a:r>
-            <a:r>
-              <a:rPr lang="fr-FR" sz="1200" b="1" dirty="0" err="1"/>
-              <a:t>meme</a:t>
-            </a:r>
-            <a:r>
-              <a:rPr lang="fr-FR" sz="1200" b="1" dirty="0"/>
-              <a:t> chose donc on va voir F1, peut être j’ai une matrice de confusion meilleur que l’autre</a:t>
-            </a:r>
-          </a:p>
-          <a:p>
-            <a:pPr marL="0" marR="0" lvl="0" indent="0" algn="l" defTabSz="914400" rtl="0" eaLnBrk="1" fontAlgn="auto" latinLnBrk="0" hangingPunct="1">
-              <a:lnSpc>
-                <a:spcPct val="100000"/>
-              </a:lnSpc>
-              <a:spcBef>
-                <a:spcPts val="0"/>
-              </a:spcBef>
-              <a:spcAft>
-                <a:spcPts val="0"/>
-              </a:spcAft>
-              <a:buClrTx/>
-              <a:buSzTx/>
-              <a:buFontTx/>
-              <a:buNone/>
-              <a:tabLst/>
-              <a:defRPr/>
-            </a:pPr>
-            <a:endParaRPr lang="fr-FR" sz="1200" b="1" dirty="0"/>
-          </a:p>
-          <a:p>
-            <a:pPr marL="0" marR="0" lvl="0" indent="0" algn="l" defTabSz="914400" rtl="0" eaLnBrk="1" fontAlgn="auto" latinLnBrk="0" hangingPunct="1">
-              <a:lnSpc>
-                <a:spcPct val="100000"/>
-              </a:lnSpc>
-              <a:spcBef>
-                <a:spcPts val="0"/>
-              </a:spcBef>
-              <a:spcAft>
-                <a:spcPts val="0"/>
-              </a:spcAft>
-              <a:buClrTx/>
-              <a:buSzTx/>
-              <a:buFontTx/>
-              <a:buNone/>
-              <a:tabLst/>
-              <a:defRPr/>
-            </a:pPr>
-            <a:r>
-              <a:rPr lang="fr-FR" sz="1200" b="1" dirty="0"/>
-              <a:t>F1 on regarde le plus élevé , donc c’est LGBM qui est meilleur parmi les trois algorithmes (</a:t>
-            </a:r>
-            <a:r>
-              <a:rPr lang="fr-FR" sz="1200" b="1" dirty="0" err="1"/>
-              <a:t>random</a:t>
-            </a:r>
-            <a:r>
-              <a:rPr lang="fr-FR" sz="1200" b="1" dirty="0"/>
-              <a:t> </a:t>
-            </a:r>
-            <a:r>
-              <a:rPr lang="fr-FR" sz="1200" b="1" dirty="0" err="1"/>
-              <a:t>forest</a:t>
-            </a:r>
-            <a:r>
-              <a:rPr lang="fr-FR" sz="1200" b="1" dirty="0"/>
-              <a:t>, LGBM et </a:t>
-            </a:r>
-            <a:r>
-              <a:rPr lang="fr-FR" sz="1200" b="1" dirty="0" err="1"/>
-              <a:t>XGBoost</a:t>
-            </a:r>
-            <a:r>
-              <a:rPr lang="fr-FR" sz="1200" b="1" dirty="0"/>
-              <a:t>)</a:t>
-            </a:r>
-          </a:p>
-          <a:p>
-            <a:pPr marL="0" marR="0" lvl="0" indent="0" algn="l" defTabSz="914400" rtl="0" eaLnBrk="1" fontAlgn="auto" latinLnBrk="0" hangingPunct="1">
-              <a:lnSpc>
-                <a:spcPct val="100000"/>
-              </a:lnSpc>
-              <a:spcBef>
-                <a:spcPts val="0"/>
-              </a:spcBef>
-              <a:spcAft>
-                <a:spcPts val="0"/>
-              </a:spcAft>
-              <a:buClrTx/>
-              <a:buSzTx/>
-              <a:buFontTx/>
-              <a:buNone/>
-              <a:tabLst/>
-              <a:defRPr/>
-            </a:pPr>
-            <a:r>
-              <a:rPr lang="fr-FR" sz="1200" b="1" dirty="0"/>
-              <a:t> </a:t>
-            </a:r>
+            <a:endParaRPr lang="fr-FR" dirty="0"/>
           </a:p>
         </p:txBody>
       </p:sp>
@@ -1773,7 +1756,7 @@
     </p:spTree>
     <p:extLst>
       <p:ext uri="{BB962C8B-B14F-4D97-AF65-F5344CB8AC3E}">
-        <p14:creationId xmlns:p14="http://schemas.microsoft.com/office/powerpoint/2010/main" val="602669416"/>
+        <p14:creationId xmlns:p14="http://schemas.microsoft.com/office/powerpoint/2010/main" val="4228290882"/>
       </p:ext>
     </p:extLst>
   </p:cSld>
@@ -1844,10 +1827,191 @@
               <a:tabLst/>
               <a:defRPr/>
             </a:pPr>
+            <a:r>
+              <a:rPr lang="fr-FR" sz="1200" b="1" dirty="0"/>
+              <a:t>Quand on compare le taux RMSE, MSE et RSE, (taux erreur ) </a:t>
+            </a:r>
+            <a:r>
+              <a:rPr lang="fr-FR" sz="1200" b="1" dirty="0" err="1"/>
+              <a:t>random</a:t>
+            </a:r>
+            <a:r>
+              <a:rPr lang="fr-FR" sz="1200" b="1" dirty="0"/>
+              <a:t> </a:t>
+            </a:r>
+            <a:r>
+              <a:rPr lang="fr-FR" sz="1200" b="1" dirty="0" err="1"/>
+              <a:t>forest</a:t>
+            </a:r>
+            <a:r>
+              <a:rPr lang="fr-FR" sz="1200" b="1" dirty="0"/>
+              <a:t> ; LGBM et XG Boost ont a peu près la même chose</a:t>
+            </a:r>
+          </a:p>
+          <a:p>
+            <a:pPr marL="0" marR="0" lvl="0" indent="0" algn="l" defTabSz="914400" rtl="0" eaLnBrk="1" fontAlgn="auto" latinLnBrk="0" hangingPunct="1">
+              <a:lnSpc>
+                <a:spcPct val="100000"/>
+              </a:lnSpc>
+              <a:spcBef>
+                <a:spcPts val="0"/>
+              </a:spcBef>
+              <a:spcAft>
+                <a:spcPts val="0"/>
+              </a:spcAft>
+              <a:buClrTx/>
+              <a:buSzTx/>
+              <a:buFontTx/>
+              <a:buNone/>
+              <a:tabLst/>
+              <a:defRPr/>
+            </a:pPr>
             <a:endParaRPr lang="fr-FR" sz="1200" b="1" dirty="0"/>
           </a:p>
           <a:p>
-            <a:endParaRPr lang="fr-FR" dirty="0"/>
+            <a:pPr marL="0" marR="0" lvl="0" indent="0" algn="l" defTabSz="914400" rtl="0" eaLnBrk="1" fontAlgn="auto" latinLnBrk="0" hangingPunct="1">
+              <a:lnSpc>
+                <a:spcPct val="100000"/>
+              </a:lnSpc>
+              <a:spcBef>
+                <a:spcPts val="0"/>
+              </a:spcBef>
+              <a:spcAft>
+                <a:spcPts val="0"/>
+              </a:spcAft>
+              <a:buClrTx/>
+              <a:buSzTx/>
+              <a:buFontTx/>
+              <a:buNone/>
+              <a:tabLst/>
+              <a:defRPr/>
+            </a:pPr>
+            <a:r>
+              <a:rPr lang="fr-FR" sz="1200" b="1" dirty="0"/>
+              <a:t>AUC: </a:t>
+            </a:r>
+            <a:r>
+              <a:rPr lang="fr-FR" sz="1200" b="1" dirty="0" err="1"/>
+              <a:t>Random</a:t>
+            </a:r>
+            <a:r>
+              <a:rPr lang="fr-FR" sz="1200" b="1" dirty="0"/>
+              <a:t> Forest, LGBM et </a:t>
+            </a:r>
+            <a:r>
+              <a:rPr lang="fr-FR" sz="1200" b="1" dirty="0" err="1"/>
+              <a:t>XGBoost</a:t>
+            </a:r>
+            <a:r>
+              <a:rPr lang="fr-FR" sz="1200" b="1" dirty="0"/>
+              <a:t>, prendre celui le plus élevé , s’ils sont a peut </a:t>
+            </a:r>
+            <a:r>
+              <a:rPr lang="fr-FR" sz="1200" b="1" dirty="0" err="1"/>
+              <a:t>pres</a:t>
+            </a:r>
+            <a:r>
+              <a:rPr lang="fr-FR" sz="1200" b="1" dirty="0"/>
+              <a:t> la </a:t>
+            </a:r>
+            <a:r>
+              <a:rPr lang="fr-FR" sz="1200" b="1" dirty="0" err="1"/>
+              <a:t>meme</a:t>
+            </a:r>
+            <a:r>
+              <a:rPr lang="fr-FR" sz="1200" b="1" dirty="0"/>
+              <a:t> chose donc on va voir F1, peut être j’ai une matrice de confusion meilleur que l’autre</a:t>
+            </a:r>
+          </a:p>
+          <a:p>
+            <a:pPr marL="0" marR="0" lvl="0" indent="0" algn="l" defTabSz="914400" rtl="0" eaLnBrk="1" fontAlgn="auto" latinLnBrk="0" hangingPunct="1">
+              <a:lnSpc>
+                <a:spcPct val="100000"/>
+              </a:lnSpc>
+              <a:spcBef>
+                <a:spcPts val="0"/>
+              </a:spcBef>
+              <a:spcAft>
+                <a:spcPts val="0"/>
+              </a:spcAft>
+              <a:buClrTx/>
+              <a:buSzTx/>
+              <a:buFontTx/>
+              <a:buNone/>
+              <a:tabLst/>
+              <a:defRPr/>
+            </a:pPr>
+            <a:endParaRPr lang="fr-FR" sz="1200" b="1" dirty="0"/>
+          </a:p>
+          <a:p>
+            <a:pPr marL="0" marR="0" lvl="0" indent="0" algn="l" defTabSz="914400" rtl="0" eaLnBrk="1" fontAlgn="auto" latinLnBrk="0" hangingPunct="1">
+              <a:lnSpc>
+                <a:spcPct val="100000"/>
+              </a:lnSpc>
+              <a:spcBef>
+                <a:spcPts val="0"/>
+              </a:spcBef>
+              <a:spcAft>
+                <a:spcPts val="0"/>
+              </a:spcAft>
+              <a:buClrTx/>
+              <a:buSzTx/>
+              <a:buFontTx/>
+              <a:buNone/>
+              <a:tabLst/>
+              <a:defRPr/>
+            </a:pPr>
+            <a:r>
+              <a:rPr lang="fr-FR" sz="1200" b="1" dirty="0"/>
+              <a:t>F1 on regarde le plus élevé , donc c’est LGBM qui est meilleur parmi les trois algorithmes (</a:t>
+            </a:r>
+            <a:r>
+              <a:rPr lang="fr-FR" sz="1200" b="1" dirty="0" err="1"/>
+              <a:t>random</a:t>
+            </a:r>
+            <a:r>
+              <a:rPr lang="fr-FR" sz="1200" b="1" dirty="0"/>
+              <a:t> </a:t>
+            </a:r>
+            <a:r>
+              <a:rPr lang="fr-FR" sz="1200" b="1" dirty="0" err="1"/>
+              <a:t>forest</a:t>
+            </a:r>
+            <a:r>
+              <a:rPr lang="fr-FR" sz="1200" b="1" dirty="0"/>
+              <a:t>, LGBM et </a:t>
+            </a:r>
+            <a:r>
+              <a:rPr lang="fr-FR" sz="1200" b="1" dirty="0" err="1"/>
+              <a:t>XGBoost</a:t>
+            </a:r>
+            <a:r>
+              <a:rPr lang="fr-FR" sz="1200" b="1" dirty="0"/>
+              <a:t>)</a:t>
+            </a:r>
+          </a:p>
+          <a:p>
+            <a:pPr marL="0" marR="0" lvl="0" indent="0" algn="l" defTabSz="914400" rtl="0" eaLnBrk="1" fontAlgn="auto" latinLnBrk="0" hangingPunct="1">
+              <a:lnSpc>
+                <a:spcPct val="100000"/>
+              </a:lnSpc>
+              <a:spcBef>
+                <a:spcPts val="0"/>
+              </a:spcBef>
+              <a:spcAft>
+                <a:spcPts val="0"/>
+              </a:spcAft>
+              <a:buClrTx/>
+              <a:buSzTx/>
+              <a:buFontTx/>
+              <a:buNone/>
+              <a:tabLst/>
+              <a:defRPr/>
+            </a:pPr>
+            <a:r>
+              <a:rPr lang="fr-FR" sz="1200" b="1" dirty="0"/>
+              <a:t> </a:t>
+            </a:r>
           </a:p>
         </p:txBody>
       </p:sp>
@@ -1877,7 +2041,7 @@
     </p:spTree>
     <p:extLst>
       <p:ext uri="{BB962C8B-B14F-4D97-AF65-F5344CB8AC3E}">
-        <p14:creationId xmlns:p14="http://schemas.microsoft.com/office/powerpoint/2010/main" val="4228290882"/>
+        <p14:creationId xmlns:p14="http://schemas.microsoft.com/office/powerpoint/2010/main" val="602669416"/>
       </p:ext>
     </p:extLst>
   </p:cSld>
@@ -32105,6 +32269,66 @@
       </p:grpSpPr>
       <p:sp>
         <p:nvSpPr>
+          <p:cNvPr id="2" name="Rectangle 1">
+            <a:extLst>
+              <a:ext uri="{FF2B5EF4-FFF2-40B4-BE49-F238E27FC236}">
+                <a16:creationId xmlns:a16="http://schemas.microsoft.com/office/drawing/2014/main" id="{8355A523-D815-2F48-BF2C-6316B1C99EBA}"/>
+              </a:ext>
+            </a:extLst>
+          </p:cNvPr>
+          <p:cNvSpPr/>
+          <p:nvPr/>
+        </p:nvSpPr>
+        <p:spPr>
+          <a:xfrm>
+            <a:off x="0" y="0"/>
+            <a:ext cx="12192000" cy="6858000"/>
+          </a:xfrm>
+          <a:prstGeom prst="rect">
+            <a:avLst/>
+          </a:prstGeom>
+          <a:solidFill>
+            <a:schemeClr val="bg1">
+              <a:lumMod val="85000"/>
+              <a:alpha val="23000"/>
+            </a:schemeClr>
+          </a:solidFill>
+        </p:spPr>
+        <p:style>
+          <a:lnRef idx="2">
+            <a:schemeClr val="accent1">
+              <a:shade val="50000"/>
+            </a:schemeClr>
+          </a:lnRef>
+          <a:fillRef idx="1">
+            <a:schemeClr val="accent1"/>
+          </a:fillRef>
+          <a:effectRef idx="0">
+            <a:schemeClr val="accent1"/>
+          </a:effectRef>
+          <a:fontRef idx="minor">
+            <a:schemeClr val="lt1"/>
+          </a:fontRef>
+        </p:style>
+        <p:txBody>
+          <a:bodyPr rtlCol="0" anchor="ctr"/>
+          <a:lstStyle/>
+          <a:p>
+            <a:pPr algn="ctr"/>
+            <a:r>
+              <a:rPr lang="fr-FR" dirty="0"/>
+              <a:t>pp</a:t>
+            </a:r>
+            <a:r>
+              <a:rPr lang="fr-FR" b="1" dirty="0"/>
+              <a:t>0</a:t>
+            </a:r>
+            <a:endParaRPr lang="fr-FR" dirty="0"/>
+          </a:p>
+        </p:txBody>
+      </p:sp>
+      <p:sp>
+        <p:nvSpPr>
           <p:cNvPr id="28" name="Rectangle 27">
             <a:extLst>
               <a:ext uri="{FF2B5EF4-FFF2-40B4-BE49-F238E27FC236}">
@@ -32155,17 +32379,25 @@
             </a:r>
             <a:r>
               <a:rPr lang="fr-FR" sz="5400" b="1" dirty="0"/>
-              <a:t>  Modélisation – Métrique d’évaluation </a:t>
+              <a:t>  Modélisation – </a:t>
+            </a:r>
+            <a:r>
+              <a:rPr lang="fr-FR" sz="5400" b="1" dirty="0" err="1"/>
+              <a:t>GridSearch</a:t>
+            </a:r>
+            <a:r>
+              <a:rPr lang="fr-FR" sz="5400" b="1" dirty="0"/>
+              <a:t> </a:t>
             </a:r>
           </a:p>
         </p:txBody>
       </p:sp>
       <p:pic>
         <p:nvPicPr>
-          <p:cNvPr id="3" name="Image 2" descr="Une image contenant graphique&#10;&#10;Description générée automatiquement">
+          <p:cNvPr id="10" name="Image 9" descr="Une image contenant table&#10;&#10;Description générée automatiquement">
             <a:extLst>
               <a:ext uri="{FF2B5EF4-FFF2-40B4-BE49-F238E27FC236}">
-                <a16:creationId xmlns:a16="http://schemas.microsoft.com/office/drawing/2014/main" id="{9DFBD959-16E4-D8F5-704D-459F2528831D}"/>
+                <a16:creationId xmlns:a16="http://schemas.microsoft.com/office/drawing/2014/main" id="{E04D34C9-E840-9997-3EC0-1F8F001C46AE}"/>
               </a:ext>
             </a:extLst>
           </p:cNvPr>
@@ -32182,8 +32414,8 @@
         </p:blipFill>
         <p:spPr>
           <a:xfrm>
-            <a:off x="6801427" y="1661428"/>
-            <a:ext cx="4851400" cy="4699000"/>
+            <a:off x="342857" y="1413588"/>
+            <a:ext cx="11457709" cy="5146875"/>
           </a:xfrm>
           <a:prstGeom prst="rect">
             <a:avLst/>
@@ -32192,284 +32424,210 @@
       </p:pic>
       <p:sp>
         <p:nvSpPr>
-          <p:cNvPr id="5" name="ZoneTexte 4">
+          <p:cNvPr id="11" name="Rectangle 10">
             <a:extLst>
               <a:ext uri="{FF2B5EF4-FFF2-40B4-BE49-F238E27FC236}">
-                <a16:creationId xmlns:a16="http://schemas.microsoft.com/office/drawing/2014/main" id="{0751DAFA-F685-79BA-F111-008CF26331E0}"/>
+                <a16:creationId xmlns:a16="http://schemas.microsoft.com/office/drawing/2014/main" id="{98CA33B5-D44C-20BD-4EA2-0371935BE77C}"/>
               </a:ext>
             </a:extLst>
           </p:cNvPr>
-          <p:cNvSpPr txBox="1"/>
+          <p:cNvSpPr/>
           <p:nvPr/>
         </p:nvSpPr>
         <p:spPr>
           <a:xfrm>
-            <a:off x="872836" y="1814946"/>
-            <a:ext cx="4003963" cy="3323987"/>
+            <a:off x="8437418" y="4603554"/>
+            <a:ext cx="955964" cy="245538"/>
           </a:xfrm>
           <a:prstGeom prst="rect">
             <a:avLst/>
           </a:prstGeom>
-          <a:noFill/>
+          <a:solidFill>
+            <a:srgbClr val="FF0000">
+              <a:alpha val="58789"/>
+            </a:srgbClr>
+          </a:solidFill>
         </p:spPr>
+        <p:style>
+          <a:lnRef idx="2">
+            <a:schemeClr val="accent1">
+              <a:shade val="50000"/>
+            </a:schemeClr>
+          </a:lnRef>
+          <a:fillRef idx="1">
+            <a:schemeClr val="accent1"/>
+          </a:fillRef>
+          <a:effectRef idx="0">
+            <a:schemeClr val="accent1"/>
+          </a:effectRef>
+          <a:fontRef idx="minor">
+            <a:schemeClr val="lt1"/>
+          </a:fontRef>
+        </p:style>
         <p:txBody>
-          <a:bodyPr wrap="square" rtlCol="0">
-            <a:spAutoFit/>
-          </a:bodyPr>
+          <a:bodyPr rtlCol="0" anchor="ctr"/>
           <a:lstStyle/>
           <a:p>
-            <a:r>
-              <a:rPr lang="fr-FR" sz="2400" b="1" dirty="0"/>
-              <a:t>Métrique d’évaluation:</a:t>
-            </a:r>
-          </a:p>
-          <a:p>
-            <a:endParaRPr lang="fr-FR" dirty="0"/>
-          </a:p>
-          <a:p>
-            <a:pPr marL="285750" indent="-285750">
-              <a:buFont typeface="Arial" panose="020B0604020202020204" pitchFamily="34" charset="0"/>
-              <a:buChar char="•"/>
-            </a:pPr>
-            <a:r>
-              <a:rPr lang="fr-FR" sz="2400" dirty="0"/>
-              <a:t>RMSE:</a:t>
-            </a:r>
-          </a:p>
-          <a:p>
-            <a:pPr marL="285750" indent="-285750">
-              <a:buFont typeface="Arial" panose="020B0604020202020204" pitchFamily="34" charset="0"/>
-              <a:buChar char="•"/>
-            </a:pPr>
-            <a:r>
-              <a:rPr lang="fr-FR" sz="2400" dirty="0"/>
-              <a:t>MSE:</a:t>
-            </a:r>
-          </a:p>
-          <a:p>
-            <a:pPr marL="285750" indent="-285750">
-              <a:buFont typeface="Arial" panose="020B0604020202020204" pitchFamily="34" charset="0"/>
-              <a:buChar char="•"/>
-            </a:pPr>
-            <a:r>
-              <a:rPr lang="fr-FR" sz="2400" dirty="0"/>
-              <a:t>RSE:</a:t>
-            </a:r>
-          </a:p>
-          <a:p>
-            <a:pPr marL="285750" indent="-285750">
-              <a:buFont typeface="Arial" panose="020B0604020202020204" pitchFamily="34" charset="0"/>
-              <a:buChar char="•"/>
-            </a:pPr>
-            <a:r>
-              <a:rPr lang="fr-FR" sz="2400" dirty="0"/>
-              <a:t>ROC_AUC:</a:t>
-            </a:r>
-          </a:p>
-          <a:p>
-            <a:pPr marL="285750" indent="-285750">
-              <a:buFont typeface="Arial" panose="020B0604020202020204" pitchFamily="34" charset="0"/>
-              <a:buChar char="•"/>
-            </a:pPr>
-            <a:r>
-              <a:rPr lang="fr-FR" sz="2400" dirty="0" err="1"/>
-              <a:t>Recall</a:t>
-            </a:r>
-            <a:r>
-              <a:rPr lang="fr-FR" sz="2400" dirty="0"/>
-              <a:t>:</a:t>
-            </a:r>
-          </a:p>
-          <a:p>
-            <a:pPr marL="285750" indent="-285750">
-              <a:buFont typeface="Arial" panose="020B0604020202020204" pitchFamily="34" charset="0"/>
-              <a:buChar char="•"/>
-            </a:pPr>
-            <a:r>
-              <a:rPr lang="fr-FR" sz="2400" dirty="0" err="1"/>
-              <a:t>Precision</a:t>
-            </a:r>
-            <a:r>
-              <a:rPr lang="fr-FR" sz="2400" dirty="0"/>
-              <a:t> :</a:t>
-            </a:r>
-          </a:p>
-          <a:p>
-            <a:pPr marL="285750" indent="-285750">
-              <a:buFont typeface="Arial" panose="020B0604020202020204" pitchFamily="34" charset="0"/>
-              <a:buChar char="•"/>
-            </a:pPr>
-            <a:r>
-              <a:rPr lang="fr-FR" sz="2400" dirty="0"/>
-              <a:t>Score F1  :</a:t>
-            </a:r>
+            <a:pPr algn="ctr"/>
+            <a:endParaRPr lang="fr-FR"/>
           </a:p>
         </p:txBody>
       </p:sp>
-      <p:cxnSp>
-        <p:nvCxnSpPr>
-          <p:cNvPr id="7" name="Connecteur droit avec flèche 6">
+      <p:sp>
+        <p:nvSpPr>
+          <p:cNvPr id="4" name="Rectangle 3">
             <a:extLst>
               <a:ext uri="{FF2B5EF4-FFF2-40B4-BE49-F238E27FC236}">
-                <a16:creationId xmlns:a16="http://schemas.microsoft.com/office/drawing/2014/main" id="{97D10F80-D325-2DA4-495F-7EDA5E1580A0}"/>
+                <a16:creationId xmlns:a16="http://schemas.microsoft.com/office/drawing/2014/main" id="{F2D35409-A807-3C80-8846-8B78B63B7748}"/>
               </a:ext>
             </a:extLst>
           </p:cNvPr>
-          <p:cNvCxnSpPr>
-            <a:cxnSpLocks/>
-          </p:cNvCxnSpPr>
-          <p:nvPr/>
-        </p:nvCxnSpPr>
-        <p:spPr>
-          <a:xfrm flipV="1">
-            <a:off x="9221354" y="1880050"/>
-            <a:ext cx="462973" cy="639136"/>
-          </a:xfrm>
-          <a:prstGeom prst="straightConnector1">
-            <a:avLst/>
-          </a:prstGeom>
-          <a:ln>
-            <a:tailEnd type="triangle"/>
-          </a:ln>
-        </p:spPr>
-        <p:style>
-          <a:lnRef idx="3">
-            <a:schemeClr val="accent2"/>
-          </a:lnRef>
-          <a:fillRef idx="0">
-            <a:schemeClr val="accent2"/>
-          </a:fillRef>
-          <a:effectRef idx="2">
-            <a:schemeClr val="accent2"/>
-          </a:effectRef>
-          <a:fontRef idx="minor">
-            <a:schemeClr val="tx1"/>
-          </a:fontRef>
-        </p:style>
-      </p:cxnSp>
-      <p:sp>
-        <p:nvSpPr>
-          <p:cNvPr id="9" name="ZoneTexte 8">
-            <a:extLst>
-              <a:ext uri="{FF2B5EF4-FFF2-40B4-BE49-F238E27FC236}">
-                <a16:creationId xmlns:a16="http://schemas.microsoft.com/office/drawing/2014/main" id="{17AF397E-2DB2-73EF-851E-081160F8BF2B}"/>
-              </a:ext>
-            </a:extLst>
-          </p:cNvPr>
-          <p:cNvSpPr txBox="1"/>
+          <p:cNvSpPr/>
           <p:nvPr/>
         </p:nvSpPr>
         <p:spPr>
           <a:xfrm>
-            <a:off x="9401463" y="1461373"/>
-            <a:ext cx="1571337" cy="400110"/>
+            <a:off x="7279105" y="4603554"/>
+            <a:ext cx="986590" cy="245538"/>
           </a:xfrm>
           <a:prstGeom prst="rect">
             <a:avLst/>
           </a:prstGeom>
-          <a:noFill/>
+          <a:solidFill>
+            <a:schemeClr val="accent6">
+              <a:alpha val="53743"/>
+            </a:schemeClr>
+          </a:solidFill>
         </p:spPr>
+        <p:style>
+          <a:lnRef idx="2">
+            <a:schemeClr val="accent1">
+              <a:shade val="50000"/>
+            </a:schemeClr>
+          </a:lnRef>
+          <a:fillRef idx="1">
+            <a:schemeClr val="accent1"/>
+          </a:fillRef>
+          <a:effectRef idx="0">
+            <a:schemeClr val="accent1"/>
+          </a:effectRef>
+          <a:fontRef idx="minor">
+            <a:schemeClr val="lt1"/>
+          </a:fontRef>
+        </p:style>
         <p:txBody>
-          <a:bodyPr wrap="square" rtlCol="0">
-            <a:spAutoFit/>
-          </a:bodyPr>
+          <a:bodyPr rtlCol="0" anchor="ctr"/>
           <a:lstStyle/>
           <a:p>
-            <a:r>
-              <a:rPr lang="fr-FR" sz="2000" b="1" dirty="0">
-                <a:solidFill>
-                  <a:schemeClr val="accent2"/>
-                </a:solidFill>
-              </a:rPr>
-              <a:t>LGBM 0.78</a:t>
-            </a:r>
+            <a:pPr algn="ctr"/>
+            <a:endParaRPr lang="fr-FR"/>
           </a:p>
         </p:txBody>
       </p:sp>
-      <p:cxnSp>
-        <p:nvCxnSpPr>
-          <p:cNvPr id="12" name="Connecteur droit avec flèche 11">
+      <p:sp>
+        <p:nvSpPr>
+          <p:cNvPr id="5" name="Rectangle 4">
             <a:extLst>
               <a:ext uri="{FF2B5EF4-FFF2-40B4-BE49-F238E27FC236}">
-                <a16:creationId xmlns:a16="http://schemas.microsoft.com/office/drawing/2014/main" id="{B1F1757F-309A-74FA-6FA1-B709B8627167}"/>
+                <a16:creationId xmlns:a16="http://schemas.microsoft.com/office/drawing/2014/main" id="{3C191CE7-A27A-8BD1-746A-D3BB858F5D91}"/>
               </a:ext>
             </a:extLst>
           </p:cNvPr>
-          <p:cNvCxnSpPr>
-            <a:cxnSpLocks/>
-          </p:cNvCxnSpPr>
-          <p:nvPr/>
-        </p:nvCxnSpPr>
-        <p:spPr>
-          <a:xfrm flipV="1">
-            <a:off x="8764154" y="4415771"/>
-            <a:ext cx="727364" cy="357313"/>
-          </a:xfrm>
-          <a:prstGeom prst="straightConnector1">
-            <a:avLst/>
-          </a:prstGeom>
-          <a:ln>
-            <a:tailEnd type="triangle"/>
-          </a:ln>
-        </p:spPr>
-        <p:style>
-          <a:lnRef idx="3">
-            <a:schemeClr val="accent5"/>
-          </a:lnRef>
-          <a:fillRef idx="0">
-            <a:schemeClr val="accent5"/>
-          </a:fillRef>
-          <a:effectRef idx="2">
-            <a:schemeClr val="accent5"/>
-          </a:effectRef>
-          <a:fontRef idx="minor">
-            <a:schemeClr val="tx1"/>
-          </a:fontRef>
-        </p:style>
-      </p:cxnSp>
-      <p:sp>
-        <p:nvSpPr>
-          <p:cNvPr id="17" name="ZoneTexte 16">
-            <a:extLst>
-              <a:ext uri="{FF2B5EF4-FFF2-40B4-BE49-F238E27FC236}">
-                <a16:creationId xmlns:a16="http://schemas.microsoft.com/office/drawing/2014/main" id="{0BE9FC90-BC9C-8242-5815-3FE1FAAAD221}"/>
-              </a:ext>
-            </a:extLst>
-          </p:cNvPr>
-          <p:cNvSpPr txBox="1"/>
+          <p:cNvSpPr/>
           <p:nvPr/>
         </p:nvSpPr>
         <p:spPr>
           <a:xfrm>
-            <a:off x="9252800" y="4573029"/>
-            <a:ext cx="2565316" cy="400110"/>
+            <a:off x="7279105" y="6085990"/>
+            <a:ext cx="986590" cy="245538"/>
           </a:xfrm>
           <a:prstGeom prst="rect">
             <a:avLst/>
           </a:prstGeom>
-          <a:noFill/>
+          <a:solidFill>
+            <a:schemeClr val="accent6">
+              <a:alpha val="53743"/>
+            </a:schemeClr>
+          </a:solidFill>
         </p:spPr>
+        <p:style>
+          <a:lnRef idx="2">
+            <a:schemeClr val="accent1">
+              <a:shade val="50000"/>
+            </a:schemeClr>
+          </a:lnRef>
+          <a:fillRef idx="1">
+            <a:schemeClr val="accent1"/>
+          </a:fillRef>
+          <a:effectRef idx="0">
+            <a:schemeClr val="accent1"/>
+          </a:effectRef>
+          <a:fontRef idx="minor">
+            <a:schemeClr val="lt1"/>
+          </a:fontRef>
+        </p:style>
         <p:txBody>
-          <a:bodyPr wrap="square" rtlCol="0">
-            <a:spAutoFit/>
-          </a:bodyPr>
+          <a:bodyPr rtlCol="0" anchor="ctr"/>
           <a:lstStyle/>
           <a:p>
-            <a:r>
-              <a:rPr lang="fr-FR" sz="2000" b="1" dirty="0">
-                <a:solidFill>
-                  <a:schemeClr val="accent1"/>
-                </a:solidFill>
-              </a:rPr>
-              <a:t>DummyClassifier:0.5</a:t>
-            </a:r>
+            <a:pPr algn="ctr"/>
+            <a:endParaRPr lang="fr-FR"/>
+          </a:p>
+        </p:txBody>
+      </p:sp>
+      <p:sp>
+        <p:nvSpPr>
+          <p:cNvPr id="3" name="Sourire 2">
+            <a:extLst>
+              <a:ext uri="{FF2B5EF4-FFF2-40B4-BE49-F238E27FC236}">
+                <a16:creationId xmlns:a16="http://schemas.microsoft.com/office/drawing/2014/main" id="{E195F6BE-CA2D-AE7F-CB8A-C108C2E4C8DA}"/>
+              </a:ext>
+            </a:extLst>
+          </p:cNvPr>
+          <p:cNvSpPr/>
+          <p:nvPr/>
+        </p:nvSpPr>
+        <p:spPr>
+          <a:xfrm>
+            <a:off x="7279105" y="1661160"/>
+            <a:ext cx="264695" cy="259080"/>
+          </a:xfrm>
+          <a:prstGeom prst="smileyFace">
+            <a:avLst/>
+          </a:prstGeom>
+          <a:solidFill>
+            <a:schemeClr val="accent6"/>
+          </a:solidFill>
+        </p:spPr>
+        <p:style>
+          <a:lnRef idx="2">
+            <a:schemeClr val="accent1">
+              <a:shade val="50000"/>
+            </a:schemeClr>
+          </a:lnRef>
+          <a:fillRef idx="1">
+            <a:schemeClr val="accent1"/>
+          </a:fillRef>
+          <a:effectRef idx="0">
+            <a:schemeClr val="accent1"/>
+          </a:effectRef>
+          <a:fontRef idx="minor">
+            <a:schemeClr val="lt1"/>
+          </a:fontRef>
+        </p:style>
+        <p:txBody>
+          <a:bodyPr rtlCol="0" anchor="ctr"/>
+          <a:lstStyle/>
+          <a:p>
+            <a:pPr algn="ctr"/>
+            <a:endParaRPr lang="fr-FR"/>
           </a:p>
         </p:txBody>
       </p:sp>
     </p:spTree>
     <p:extLst>
       <p:ext uri="{BB962C8B-B14F-4D97-AF65-F5344CB8AC3E}">
-        <p14:creationId xmlns:p14="http://schemas.microsoft.com/office/powerpoint/2010/main" val="602631840"/>
+        <p14:creationId xmlns:p14="http://schemas.microsoft.com/office/powerpoint/2010/main" val="4086893777"/>
       </p:ext>
     </p:extLst>
   </p:cSld>
@@ -32553,8 +32711,8 @@
           </a:p>
         </p:txBody>
       </p:sp>
-      <mc:AlternateContent xmlns:mc="http://schemas.openxmlformats.org/markup-compatibility/2006">
-        <mc:Choice xmlns:a14="http://schemas.microsoft.com/office/drawing/2010/main" Requires="a14">
+      <mc:AlternateContent xmlns:mc="http://schemas.openxmlformats.org/markup-compatibility/2006" xmlns:a14="http://schemas.microsoft.com/office/drawing/2010/main">
+        <mc:Choice Requires="a14">
           <p:sp>
             <p:nvSpPr>
               <p:cNvPr id="11" name="ZoneTexte 10">
@@ -33029,7 +33187,7 @@
             </p:txBody>
           </p:sp>
         </mc:Choice>
-        <mc:Fallback>
+        <mc:Fallback xmlns="">
           <p:sp>
             <p:nvSpPr>
               <p:cNvPr id="11" name="ZoneTexte 10">
@@ -33175,8 +33333,8 @@
         </p:nvSpPr>
         <p:spPr>
           <a:xfrm>
-            <a:off x="516659" y="1621263"/>
-            <a:ext cx="5730009" cy="738664"/>
+            <a:off x="433629" y="1282932"/>
+            <a:ext cx="5730009" cy="1477328"/>
           </a:xfrm>
           <a:prstGeom prst="rect">
             <a:avLst/>
@@ -33191,44 +33349,20 @@
           <a:p>
             <a:r>
               <a:rPr lang="fr-FR" sz="2400" b="1" dirty="0"/>
-              <a:t>Matrice de confusion du meilleur modèle:</a:t>
+              <a:t>Calcul d’un seuil de probabilité</a:t>
             </a:r>
+          </a:p>
+          <a:p>
+            <a:endParaRPr lang="fr-FR" sz="2400" b="1" dirty="0"/>
+          </a:p>
+          <a:p>
+            <a:endParaRPr lang="fr-FR" sz="2400" b="1" dirty="0"/>
           </a:p>
           <a:p>
             <a:endParaRPr lang="fr-FR" dirty="0"/>
           </a:p>
         </p:txBody>
       </p:sp>
-      <p:pic>
-        <p:nvPicPr>
-          <p:cNvPr id="4" name="Image 3" descr="Une image contenant graphique&#10;&#10;Description générée automatiquement">
-            <a:extLst>
-              <a:ext uri="{FF2B5EF4-FFF2-40B4-BE49-F238E27FC236}">
-                <a16:creationId xmlns:a16="http://schemas.microsoft.com/office/drawing/2014/main" id="{49A82B7D-3919-098E-8DA7-973A32DF513B}"/>
-              </a:ext>
-            </a:extLst>
-          </p:cNvPr>
-          <p:cNvPicPr>
-            <a:picLocks noChangeAspect="1"/>
-          </p:cNvPicPr>
-          <p:nvPr/>
-        </p:nvPicPr>
-        <p:blipFill>
-          <a:blip r:embed="rId3"/>
-          <a:stretch>
-            <a:fillRect/>
-          </a:stretch>
-        </p:blipFill>
-        <p:spPr>
-          <a:xfrm>
-            <a:off x="399095" y="2359927"/>
-            <a:ext cx="5084387" cy="4055033"/>
-          </a:xfrm>
-          <a:prstGeom prst="rect">
-            <a:avLst/>
-          </a:prstGeom>
-        </p:spPr>
-      </p:pic>
       <mc:AlternateContent xmlns:mc="http://schemas.openxmlformats.org/markup-compatibility/2006" xmlns:a14="http://schemas.microsoft.com/office/drawing/2010/main">
         <mc:Choice Requires="a14">
           <p:sp>
@@ -33622,41 +33756,36 @@
           </p:sp>
         </mc:Fallback>
       </mc:AlternateContent>
-      <p:sp>
-        <p:nvSpPr>
-          <p:cNvPr id="8" name="ZoneTexte 7">
+      <p:pic>
+        <p:nvPicPr>
+          <p:cNvPr id="2" name="Image 1" descr="Une image contenant graphique&#10;&#10;Description générée automatiquement">
             <a:extLst>
               <a:ext uri="{FF2B5EF4-FFF2-40B4-BE49-F238E27FC236}">
-                <a16:creationId xmlns:a16="http://schemas.microsoft.com/office/drawing/2014/main" id="{A494E6DB-67DD-C686-7414-5A76E23A104C}"/>
+                <a16:creationId xmlns:a16="http://schemas.microsoft.com/office/drawing/2014/main" id="{4ABB7E4A-FCC8-131D-521E-067847336399}"/>
               </a:ext>
             </a:extLst>
           </p:cNvPr>
-          <p:cNvSpPr txBox="1"/>
+          <p:cNvPicPr>
+            <a:picLocks noChangeAspect="1"/>
+          </p:cNvPicPr>
           <p:nvPr/>
-        </p:nvSpPr>
+        </p:nvPicPr>
+        <p:blipFill>
+          <a:blip r:embed="rId5"/>
+          <a:stretch>
+            <a:fillRect/>
+          </a:stretch>
+        </p:blipFill>
         <p:spPr>
           <a:xfrm>
-            <a:off x="6869777" y="6168052"/>
-            <a:ext cx="2286000" cy="369332"/>
+            <a:off x="360823" y="2021596"/>
+            <a:ext cx="5638083" cy="4054140"/>
           </a:xfrm>
           <a:prstGeom prst="rect">
             <a:avLst/>
           </a:prstGeom>
-          <a:noFill/>
         </p:spPr>
-        <p:txBody>
-          <a:bodyPr wrap="square" rtlCol="0">
-            <a:spAutoFit/>
-          </a:bodyPr>
-          <a:lstStyle/>
-          <a:p>
-            <a:r>
-              <a:rPr lang="fr-FR" dirty="0"/>
-              <a:t>Coût métier :41750</a:t>
-            </a:r>
-          </a:p>
-        </p:txBody>
-      </p:sp>
+      </p:pic>
     </p:spTree>
     <p:extLst>
       <p:ext uri="{BB962C8B-B14F-4D97-AF65-F5344CB8AC3E}">
@@ -33756,7 +33885,7 @@
         <p:spPr>
           <a:xfrm>
             <a:off x="6277089" y="1368214"/>
-            <a:ext cx="5960833" cy="461665"/>
+            <a:ext cx="5960833" cy="830997"/>
           </a:xfrm>
           <a:prstGeom prst="rect">
             <a:avLst/>
@@ -33771,7 +33900,7 @@
           <a:p>
             <a:r>
               <a:rPr lang="fr-FR" sz="2400" b="1" dirty="0"/>
-              <a:t>Matrice de confusion pour le meilleur seuil:</a:t>
+              <a:t>Matrice de confusion avec l’optimisation du coût métier :</a:t>
             </a:r>
           </a:p>
         </p:txBody>
@@ -33790,8 +33919,8 @@
         </p:nvSpPr>
         <p:spPr>
           <a:xfrm>
-            <a:off x="885305" y="1511293"/>
-            <a:ext cx="4601095" cy="461665"/>
+            <a:off x="308559" y="1447942"/>
+            <a:ext cx="5774575" cy="830997"/>
           </a:xfrm>
           <a:prstGeom prst="rect">
             <a:avLst/>
@@ -33806,41 +33935,11 @@
           <a:p>
             <a:r>
               <a:rPr lang="fr-FR" sz="2400" b="1" dirty="0"/>
-              <a:t>Choix d’un seuil de probabilité</a:t>
+              <a:t>Matrice de confusion du meilleur modèle opérationnel: </a:t>
             </a:r>
           </a:p>
         </p:txBody>
       </p:sp>
-      <p:pic>
-        <p:nvPicPr>
-          <p:cNvPr id="11" name="Image 10" descr="Une image contenant graphique&#10;&#10;Description générée automatiquement">
-            <a:extLst>
-              <a:ext uri="{FF2B5EF4-FFF2-40B4-BE49-F238E27FC236}">
-                <a16:creationId xmlns:a16="http://schemas.microsoft.com/office/drawing/2014/main" id="{E40DF8B2-E427-DADF-9D5D-77FAA2DEB512}"/>
-              </a:ext>
-            </a:extLst>
-          </p:cNvPr>
-          <p:cNvPicPr>
-            <a:picLocks noChangeAspect="1"/>
-          </p:cNvPicPr>
-          <p:nvPr/>
-        </p:nvPicPr>
-        <p:blipFill>
-          <a:blip r:embed="rId3"/>
-          <a:stretch>
-            <a:fillRect/>
-          </a:stretch>
-        </p:blipFill>
-        <p:spPr>
-          <a:xfrm>
-            <a:off x="121920" y="2331720"/>
-            <a:ext cx="5638083" cy="4054140"/>
-          </a:xfrm>
-          <a:prstGeom prst="rect">
-            <a:avLst/>
-          </a:prstGeom>
-        </p:spPr>
-      </p:pic>
       <p:pic>
         <p:nvPicPr>
           <p:cNvPr id="13" name="Image 12" descr="Une image contenant graphique&#10;&#10;Description générée automatiquement">
@@ -33856,7 +33955,7 @@
           <p:nvPr/>
         </p:nvPicPr>
         <p:blipFill>
-          <a:blip r:embed="rId4"/>
+          <a:blip r:embed="rId3"/>
           <a:stretch>
             <a:fillRect/>
           </a:stretch>
@@ -33937,6 +34036,71 @@
             <a:r>
               <a:rPr lang="fr-FR" dirty="0"/>
               <a:t>Coût métier :25703</a:t>
+            </a:r>
+          </a:p>
+        </p:txBody>
+      </p:sp>
+      <p:pic>
+        <p:nvPicPr>
+          <p:cNvPr id="2" name="Image 1" descr="Une image contenant graphique&#10;&#10;Description générée automatiquement">
+            <a:extLst>
+              <a:ext uri="{FF2B5EF4-FFF2-40B4-BE49-F238E27FC236}">
+                <a16:creationId xmlns:a16="http://schemas.microsoft.com/office/drawing/2014/main" id="{582B2D12-7750-1720-095A-A7C3198DE0DA}"/>
+              </a:ext>
+            </a:extLst>
+          </p:cNvPr>
+          <p:cNvPicPr>
+            <a:picLocks noChangeAspect="1"/>
+          </p:cNvPicPr>
+          <p:nvPr/>
+        </p:nvPicPr>
+        <p:blipFill>
+          <a:blip r:embed="rId4"/>
+          <a:stretch>
+            <a:fillRect/>
+          </a:stretch>
+        </p:blipFill>
+        <p:spPr>
+          <a:xfrm>
+            <a:off x="675615" y="2151313"/>
+            <a:ext cx="5084387" cy="4055033"/>
+          </a:xfrm>
+          <a:prstGeom prst="rect">
+            <a:avLst/>
+          </a:prstGeom>
+        </p:spPr>
+      </p:pic>
+      <p:sp>
+        <p:nvSpPr>
+          <p:cNvPr id="3" name="ZoneTexte 2">
+            <a:extLst>
+              <a:ext uri="{FF2B5EF4-FFF2-40B4-BE49-F238E27FC236}">
+                <a16:creationId xmlns:a16="http://schemas.microsoft.com/office/drawing/2014/main" id="{0E16610A-44BA-4DA5-487D-1721C642FF80}"/>
+              </a:ext>
+            </a:extLst>
+          </p:cNvPr>
+          <p:cNvSpPr txBox="1"/>
+          <p:nvPr/>
+        </p:nvSpPr>
+        <p:spPr>
+          <a:xfrm>
+            <a:off x="1828800" y="6206346"/>
+            <a:ext cx="2286000" cy="369332"/>
+          </a:xfrm>
+          <a:prstGeom prst="rect">
+            <a:avLst/>
+          </a:prstGeom>
+          <a:noFill/>
+        </p:spPr>
+        <p:txBody>
+          <a:bodyPr wrap="square" rtlCol="0">
+            <a:spAutoFit/>
+          </a:bodyPr>
+          <a:lstStyle/>
+          <a:p>
+            <a:r>
+              <a:rPr lang="fr-FR" dirty="0"/>
+              <a:t>Coût métier :41750</a:t>
             </a:r>
           </a:p>
         </p:txBody>
@@ -34055,7 +34219,7 @@
           <a:p>
             <a:r>
               <a:rPr lang="fr-FR" sz="2400" b="1" dirty="0"/>
-              <a:t>Explication locale </a:t>
+              <a:t>Variable locale </a:t>
             </a:r>
           </a:p>
         </p:txBody>
@@ -34340,7 +34504,7 @@
           <a:p>
             <a:r>
               <a:rPr lang="fr-FR" sz="2400" b="1" dirty="0"/>
-              <a:t>Explication globale </a:t>
+              <a:t>Variable globale </a:t>
             </a:r>
           </a:p>
         </p:txBody>
@@ -34522,7 +34686,7 @@
             </a:r>
             <a:r>
               <a:rPr lang="fr-FR" sz="5400" b="1" dirty="0"/>
-              <a:t>  API</a:t>
+              <a:t>  API – outil Flask </a:t>
             </a:r>
           </a:p>
         </p:txBody>
@@ -34572,7 +34736,7 @@
         <p:spPr>
           <a:xfrm>
             <a:off x="955983" y="1715053"/>
-            <a:ext cx="9932596" cy="1938992"/>
+            <a:ext cx="9932596" cy="1200329"/>
           </a:xfrm>
           <a:prstGeom prst="rect">
             <a:avLst/>
@@ -34612,35 +34776,6 @@
           </a:p>
           <a:p>
             <a:endParaRPr lang="fr-FR" sz="2400" dirty="0"/>
-          </a:p>
-          <a:p>
-            <a:r>
-              <a:rPr lang="fr-FR" sz="2400" dirty="0"/>
-              <a:t>Ex: score 0.98</a:t>
-            </a:r>
-          </a:p>
-          <a:p>
-            <a:r>
-              <a:rPr lang="fr-FR" sz="2400" dirty="0">
-                <a:solidFill>
-                  <a:srgbClr val="FF0000"/>
-                </a:solidFill>
-              </a:rPr>
-              <a:t>* </a:t>
-            </a:r>
-            <a:r>
-              <a:rPr lang="fr-FR" sz="1600" dirty="0">
-                <a:solidFill>
-                  <a:srgbClr val="FF0000"/>
-                </a:solidFill>
-              </a:rPr>
-              <a:t>Un seuil de probabilité a été défini à 92%, lors du score &gt;= 92, un crédit sera accordé par l’organisme financier  </a:t>
-            </a:r>
-            <a:endParaRPr lang="fr-FR" sz="2400" dirty="0">
-              <a:solidFill>
-                <a:srgbClr val="FF0000"/>
-              </a:solidFill>
-            </a:endParaRPr>
           </a:p>
         </p:txBody>
       </p:sp>
@@ -34730,7 +34865,15 @@
             </a:r>
             <a:r>
               <a:rPr lang="fr-FR" sz="4800" b="1" dirty="0"/>
-              <a:t>Dashboard</a:t>
+              <a:t>Dashboard – outil </a:t>
+            </a:r>
+            <a:r>
+              <a:rPr lang="fr-FR" sz="4800" b="1" dirty="0" err="1"/>
+              <a:t>Steamlit</a:t>
+            </a:r>
+            <a:r>
+              <a:rPr lang="fr-FR" sz="4800" b="1" dirty="0"/>
+              <a:t> </a:t>
             </a:r>
             <a:endParaRPr lang="fr-FR" sz="1600" b="1" dirty="0"/>
           </a:p>
@@ -34983,8 +35126,8 @@
         </p:nvSpPr>
         <p:spPr>
           <a:xfrm>
-            <a:off x="762000" y="895574"/>
-            <a:ext cx="9464040" cy="4093428"/>
+            <a:off x="762000" y="682214"/>
+            <a:ext cx="9464040" cy="5816977"/>
           </a:xfrm>
           <a:prstGeom prst="rect">
             <a:avLst/>
@@ -35002,24 +35145,14 @@
               <a:buChar char="-"/>
             </a:pPr>
             <a:r>
-              <a:rPr lang="fr-FR" sz="2800" dirty="0"/>
-              <a:t>On a </a:t>
-            </a:r>
-            <a:r>
-              <a:rPr lang="fr-FR" sz="2800" dirty="0">
-                <a:effectLst/>
+              <a:rPr lang="fr-FR" sz="2400" dirty="0">
                 <a:latin typeface="Helvetica Neue" panose="02000503000000020004" pitchFamily="2" charset="0"/>
               </a:rPr>
-              <a:t>utilisé un module de prétraitement des données pour gagner du temps </a:t>
+              <a:t>Nous avons développé un outil permettant de donner une prédiction du prêt simple et rapide.</a:t>
             </a:r>
           </a:p>
           <a:p>
-            <a:pPr marL="285750" indent="-285750">
-              <a:buFontTx/>
-              <a:buChar char="-"/>
-            </a:pPr>
-            <a:endParaRPr lang="fr-FR" sz="2800" dirty="0">
-              <a:effectLst/>
+            <a:endParaRPr lang="fr-FR" sz="2400" dirty="0">
               <a:latin typeface="Helvetica Neue" panose="02000503000000020004" pitchFamily="2" charset="0"/>
             </a:endParaRPr>
           </a:p>
@@ -35029,49 +35162,118 @@
               <a:buChar char="-"/>
             </a:pPr>
             <a:r>
-              <a:rPr lang="fr-FR" sz="2800" dirty="0">
+              <a:rPr lang="fr-FR" sz="2400" dirty="0">
                 <a:effectLst/>
                 <a:latin typeface="Helvetica Neue" panose="02000503000000020004" pitchFamily="2" charset="0"/>
               </a:rPr>
-              <a:t>on a remarqué dans ce projet est une manque de variables pertinents (les données de conjoint / d’autre données de la personne </a:t>
+              <a:t>Cela remonte l’optimisation du coût métier au niveau de la simulation du modèle</a:t>
+            </a:r>
+          </a:p>
+          <a:p>
+            <a:endParaRPr lang="fr-FR" sz="2400" dirty="0">
+              <a:effectLst/>
+              <a:latin typeface="Helvetica Neue" panose="02000503000000020004" pitchFamily="2" charset="0"/>
+            </a:endParaRPr>
+          </a:p>
+          <a:p>
+            <a:pPr marL="285750" indent="-285750">
+              <a:buFontTx/>
+              <a:buChar char="-"/>
+            </a:pPr>
+            <a:r>
+              <a:rPr lang="fr-FR" sz="2400" dirty="0">
+                <a:effectLst/>
+                <a:latin typeface="Helvetica Neue" panose="02000503000000020004" pitchFamily="2" charset="0"/>
+              </a:rPr>
+              <a:t>Voir à l’avenir un développement de son propre </a:t>
             </a:r>
             <a:r>
-              <a:rPr lang="fr-FR" sz="2800" dirty="0" err="1">
+              <a:rPr lang="fr-FR" sz="2400" dirty="0" err="1">
+                <a:effectLst/>
+                <a:latin typeface="Helvetica Neue" panose="02000503000000020004" pitchFamily="2" charset="0"/>
+              </a:rPr>
+              <a:t>feature</a:t>
+            </a:r>
+            <a:r>
+              <a:rPr lang="fr-FR" sz="2400" dirty="0">
+                <a:effectLst/>
+                <a:latin typeface="Helvetica Neue" panose="02000503000000020004" pitchFamily="2" charset="0"/>
+              </a:rPr>
+              <a:t> engineering </a:t>
+            </a:r>
+          </a:p>
+          <a:p>
+            <a:pPr marL="285750" indent="-285750">
+              <a:buFontTx/>
+              <a:buChar char="-"/>
+            </a:pPr>
+            <a:endParaRPr lang="fr-FR" sz="2400" dirty="0">
+              <a:effectLst/>
+              <a:latin typeface="Helvetica Neue" panose="02000503000000020004" pitchFamily="2" charset="0"/>
+            </a:endParaRPr>
+          </a:p>
+          <a:p>
+            <a:pPr marL="285750" indent="-285750">
+              <a:buFontTx/>
+              <a:buChar char="-"/>
+            </a:pPr>
+            <a:r>
+              <a:rPr lang="fr-FR" sz="2400" dirty="0">
+                <a:effectLst/>
+                <a:latin typeface="Helvetica Neue" panose="02000503000000020004" pitchFamily="2" charset="0"/>
+              </a:rPr>
+              <a:t>on a remarqué dans ce projet </a:t>
+            </a:r>
+            <a:r>
+              <a:rPr lang="fr-FR" sz="2400" dirty="0">
+                <a:latin typeface="Helvetica Neue" panose="02000503000000020004" pitchFamily="2" charset="0"/>
+              </a:rPr>
+              <a:t>un</a:t>
+            </a:r>
+            <a:r>
+              <a:rPr lang="fr-FR" sz="2400" dirty="0">
+                <a:effectLst/>
+                <a:latin typeface="Helvetica Neue" panose="02000503000000020004" pitchFamily="2" charset="0"/>
+              </a:rPr>
+              <a:t> manque des variables pertinents (les données de conjoint / d’autre données de la personne </a:t>
+            </a:r>
+            <a:r>
+              <a:rPr lang="fr-FR" sz="2400" dirty="0" err="1">
                 <a:effectLst/>
                 <a:latin typeface="Helvetica Neue" panose="02000503000000020004" pitchFamily="2" charset="0"/>
               </a:rPr>
               <a:t>etc</a:t>
             </a:r>
             <a:r>
-              <a:rPr lang="fr-FR" sz="2800" dirty="0">
+              <a:rPr lang="fr-FR" sz="2400" dirty="0">
                 <a:effectLst/>
                 <a:latin typeface="Helvetica Neue" panose="02000503000000020004" pitchFamily="2" charset="0"/>
               </a:rPr>
-              <a:t> ) donc nous pourrons faire un traitement de </a:t>
+              <a:t> ) donc dans l’avenir il est possible de faire un traitement de </a:t>
             </a:r>
             <a:r>
-              <a:rPr lang="fr-FR" sz="2800" dirty="0" err="1">
+              <a:rPr lang="fr-FR" sz="2400" dirty="0" err="1">
                 <a:effectLst/>
                 <a:latin typeface="Helvetica Neue" panose="02000503000000020004" pitchFamily="2" charset="0"/>
               </a:rPr>
               <a:t>feature</a:t>
             </a:r>
             <a:r>
-              <a:rPr lang="fr-FR" sz="2800" dirty="0">
+              <a:rPr lang="fr-FR" sz="2400" dirty="0">
                 <a:effectLst/>
                 <a:latin typeface="Helvetica Neue" panose="02000503000000020004" pitchFamily="2" charset="0"/>
               </a:rPr>
               <a:t> </a:t>
             </a:r>
             <a:r>
-              <a:rPr lang="fr-FR" sz="2800" dirty="0" err="1">
+              <a:rPr lang="fr-FR" sz="2400" dirty="0" err="1">
                 <a:effectLst/>
                 <a:latin typeface="Helvetica Neue" panose="02000503000000020004" pitchFamily="2" charset="0"/>
               </a:rPr>
               <a:t>enginnering</a:t>
             </a:r>
             <a:r>
-              <a:rPr lang="fr-FR" sz="2800" dirty="0">
+              <a:rPr lang="fr-FR" sz="2400" dirty="0">
                 <a:effectLst/>
                 <a:latin typeface="Helvetica Neue" panose="02000503000000020004" pitchFamily="2" charset="0"/>
               </a:rPr>
@@ -38377,7 +38579,7 @@
                 <a:ea typeface="DengXian" panose="02010600030101010101" pitchFamily="2" charset="-122"/>
                 <a:cs typeface="AppleSystemUIFont"/>
               </a:rPr>
-              <a:t>8.7 % des individus ne seront pas capables de rembourser ses crédits contre ---</a:t>
+              <a:t>91.3 % des individus ne seront pas capables de rembourser ses crédits contre ---</a:t>
             </a:r>
             <a:r>
               <a:rPr lang="fr-FR" sz="1800" dirty="0">
@@ -38423,7 +38625,7 @@
                 <a:ea typeface="DengXian" panose="02010600030101010101" pitchFamily="2" charset="-122"/>
                 <a:cs typeface="AppleSystemUIFont"/>
               </a:rPr>
-              <a:t>91.3 % des individus seront capables de rembourser ses crédits ----</a:t>
+              <a:t> 8.7 % des individus seront capables de rembourser ses crédits ----</a:t>
             </a:r>
             <a:r>
               <a:rPr lang="fr-FR" sz="1800" dirty="0">
@@ -38445,6 +38647,290 @@
               <a:t> </a:t>
             </a:r>
             <a:endParaRPr lang="fr-FR" dirty="0"/>
+          </a:p>
+        </p:txBody>
+      </p:sp>
+      <p:sp>
+        <p:nvSpPr>
+          <p:cNvPr id="16" name="Rectangle 15">
+            <a:extLst>
+              <a:ext uri="{FF2B5EF4-FFF2-40B4-BE49-F238E27FC236}">
+                <a16:creationId xmlns:a16="http://schemas.microsoft.com/office/drawing/2014/main" id="{E6503220-3585-1E4E-5BD5-A1B4D38DB10C}"/>
+              </a:ext>
+            </a:extLst>
+          </p:cNvPr>
+          <p:cNvSpPr/>
+          <p:nvPr/>
+        </p:nvSpPr>
+        <p:spPr>
+          <a:xfrm>
+            <a:off x="2458720" y="5349639"/>
+            <a:ext cx="320040" cy="284575"/>
+          </a:xfrm>
+          <a:prstGeom prst="rect">
+            <a:avLst/>
+          </a:prstGeom>
+          <a:solidFill>
+            <a:schemeClr val="bg1"/>
+          </a:solidFill>
+          <a:ln>
+            <a:noFill/>
+          </a:ln>
+        </p:spPr>
+        <p:style>
+          <a:lnRef idx="2">
+            <a:schemeClr val="accent1">
+              <a:shade val="50000"/>
+            </a:schemeClr>
+          </a:lnRef>
+          <a:fillRef idx="1">
+            <a:schemeClr val="accent1"/>
+          </a:fillRef>
+          <a:effectRef idx="0">
+            <a:schemeClr val="accent1"/>
+          </a:effectRef>
+          <a:fontRef idx="minor">
+            <a:schemeClr val="lt1"/>
+          </a:fontRef>
+        </p:style>
+        <p:txBody>
+          <a:bodyPr rtlCol="0" anchor="ctr"/>
+          <a:lstStyle/>
+          <a:p>
+            <a:pPr algn="ctr"/>
+            <a:r>
+              <a:rPr lang="fr-FR" sz="1600" dirty="0">
+                <a:solidFill>
+                  <a:schemeClr val="tx1"/>
+                </a:solidFill>
+              </a:rPr>
+              <a:t>0</a:t>
+            </a:r>
+          </a:p>
+        </p:txBody>
+      </p:sp>
+      <p:sp>
+        <p:nvSpPr>
+          <p:cNvPr id="17" name="Rectangle 16">
+            <a:extLst>
+              <a:ext uri="{FF2B5EF4-FFF2-40B4-BE49-F238E27FC236}">
+                <a16:creationId xmlns:a16="http://schemas.microsoft.com/office/drawing/2014/main" id="{7ED36E74-801A-5DCF-E420-A34092EFBE1E}"/>
+              </a:ext>
+            </a:extLst>
+          </p:cNvPr>
+          <p:cNvSpPr/>
+          <p:nvPr/>
+        </p:nvSpPr>
+        <p:spPr>
+          <a:xfrm>
+            <a:off x="2194560" y="5370307"/>
+            <a:ext cx="335280" cy="284575"/>
+          </a:xfrm>
+          <a:prstGeom prst="rect">
+            <a:avLst/>
+          </a:prstGeom>
+          <a:noFill/>
+          <a:ln>
+            <a:noFill/>
+          </a:ln>
+        </p:spPr>
+        <p:style>
+          <a:lnRef idx="0">
+            <a:scrgbClr r="0" g="0" b="0"/>
+          </a:lnRef>
+          <a:fillRef idx="0">
+            <a:scrgbClr r="0" g="0" b="0"/>
+          </a:fillRef>
+          <a:effectRef idx="0">
+            <a:scrgbClr r="0" g="0" b="0"/>
+          </a:effectRef>
+          <a:fontRef idx="minor">
+            <a:schemeClr val="lt1"/>
+          </a:fontRef>
+        </p:style>
+        <p:txBody>
+          <a:bodyPr rtlCol="0" anchor="ctr"/>
+          <a:lstStyle/>
+          <a:p>
+            <a:pPr algn="ctr"/>
+            <a:endParaRPr lang="fr-FR"/>
+          </a:p>
+        </p:txBody>
+      </p:sp>
+      <p:sp>
+        <p:nvSpPr>
+          <p:cNvPr id="18" name="Rectangle 17">
+            <a:extLst>
+              <a:ext uri="{FF2B5EF4-FFF2-40B4-BE49-F238E27FC236}">
+                <a16:creationId xmlns:a16="http://schemas.microsoft.com/office/drawing/2014/main" id="{CE01A97C-628F-442C-953F-9CE112615A38}"/>
+              </a:ext>
+            </a:extLst>
+          </p:cNvPr>
+          <p:cNvSpPr/>
+          <p:nvPr/>
+        </p:nvSpPr>
+        <p:spPr>
+          <a:xfrm>
+            <a:off x="4738663" y="5349399"/>
+            <a:ext cx="320040" cy="284575"/>
+          </a:xfrm>
+          <a:prstGeom prst="rect">
+            <a:avLst/>
+          </a:prstGeom>
+          <a:solidFill>
+            <a:schemeClr val="bg1"/>
+          </a:solidFill>
+          <a:ln>
+            <a:noFill/>
+          </a:ln>
+        </p:spPr>
+        <p:style>
+          <a:lnRef idx="2">
+            <a:schemeClr val="accent1">
+              <a:shade val="50000"/>
+            </a:schemeClr>
+          </a:lnRef>
+          <a:fillRef idx="1">
+            <a:schemeClr val="accent1"/>
+          </a:fillRef>
+          <a:effectRef idx="0">
+            <a:schemeClr val="accent1"/>
+          </a:effectRef>
+          <a:fontRef idx="minor">
+            <a:schemeClr val="lt1"/>
+          </a:fontRef>
+        </p:style>
+        <p:txBody>
+          <a:bodyPr rtlCol="0" anchor="ctr"/>
+          <a:lstStyle/>
+          <a:p>
+            <a:pPr algn="ctr"/>
+            <a:r>
+              <a:rPr lang="fr-FR" sz="1600" dirty="0">
+                <a:solidFill>
+                  <a:schemeClr val="tx1"/>
+                </a:solidFill>
+              </a:rPr>
+              <a:t>1</a:t>
+            </a:r>
+          </a:p>
+        </p:txBody>
+      </p:sp>
+      <p:sp>
+        <p:nvSpPr>
+          <p:cNvPr id="19" name="Rectangle 18">
+            <a:extLst>
+              <a:ext uri="{FF2B5EF4-FFF2-40B4-BE49-F238E27FC236}">
+                <a16:creationId xmlns:a16="http://schemas.microsoft.com/office/drawing/2014/main" id="{46A5CC6F-ECBF-6656-3A07-4EE5E7EECD3A}"/>
+              </a:ext>
+            </a:extLst>
+          </p:cNvPr>
+          <p:cNvSpPr/>
+          <p:nvPr/>
+        </p:nvSpPr>
+        <p:spPr>
+          <a:xfrm>
+            <a:off x="9352012" y="1519317"/>
+            <a:ext cx="320040" cy="284575"/>
+          </a:xfrm>
+          <a:prstGeom prst="rect">
+            <a:avLst/>
+          </a:prstGeom>
+          <a:solidFill>
+            <a:schemeClr val="bg1"/>
+          </a:solidFill>
+          <a:ln>
+            <a:noFill/>
+          </a:ln>
+        </p:spPr>
+        <p:style>
+          <a:lnRef idx="2">
+            <a:schemeClr val="accent1">
+              <a:shade val="50000"/>
+            </a:schemeClr>
+          </a:lnRef>
+          <a:fillRef idx="1">
+            <a:schemeClr val="accent1"/>
+          </a:fillRef>
+          <a:effectRef idx="0">
+            <a:schemeClr val="accent1"/>
+          </a:effectRef>
+          <a:fontRef idx="minor">
+            <a:schemeClr val="lt1"/>
+          </a:fontRef>
+        </p:style>
+        <p:txBody>
+          <a:bodyPr rtlCol="0" anchor="ctr"/>
+          <a:lstStyle/>
+          <a:p>
+            <a:pPr algn="ctr"/>
+            <a:r>
+              <a:rPr lang="fr-FR" sz="1600" dirty="0">
+                <a:solidFill>
+                  <a:schemeClr val="tx1"/>
+                </a:solidFill>
+              </a:rPr>
+              <a:t>1</a:t>
+            </a:r>
+          </a:p>
+        </p:txBody>
+      </p:sp>
+      <p:sp>
+        <p:nvSpPr>
+          <p:cNvPr id="20" name="Rectangle 19">
+            <a:extLst>
+              <a:ext uri="{FF2B5EF4-FFF2-40B4-BE49-F238E27FC236}">
+                <a16:creationId xmlns:a16="http://schemas.microsoft.com/office/drawing/2014/main" id="{B1222029-98C0-A358-137E-8F88557DA30F}"/>
+              </a:ext>
+            </a:extLst>
+          </p:cNvPr>
+          <p:cNvSpPr/>
+          <p:nvPr/>
+        </p:nvSpPr>
+        <p:spPr>
+          <a:xfrm>
+            <a:off x="8320063" y="4906613"/>
+            <a:ext cx="320040" cy="284575"/>
+          </a:xfrm>
+          <a:prstGeom prst="rect">
+            <a:avLst/>
+          </a:prstGeom>
+          <a:solidFill>
+            <a:schemeClr val="bg1"/>
+          </a:solidFill>
+          <a:ln>
+            <a:noFill/>
+          </a:ln>
+        </p:spPr>
+        <p:style>
+          <a:lnRef idx="2">
+            <a:schemeClr val="accent1">
+              <a:shade val="50000"/>
+            </a:schemeClr>
+          </a:lnRef>
+          <a:fillRef idx="1">
+            <a:schemeClr val="accent1"/>
+          </a:fillRef>
+          <a:effectRef idx="0">
+            <a:schemeClr val="accent1"/>
+          </a:effectRef>
+          <a:fontRef idx="minor">
+            <a:schemeClr val="lt1"/>
+          </a:fontRef>
+        </p:style>
+        <p:txBody>
+          <a:bodyPr rtlCol="0" anchor="ctr"/>
+          <a:lstStyle/>
+          <a:p>
+            <a:pPr algn="ctr"/>
+            <a:r>
+              <a:rPr lang="fr-FR" sz="1600" dirty="0">
+                <a:solidFill>
+                  <a:schemeClr val="tx1"/>
+                </a:solidFill>
+              </a:rPr>
+              <a:t>0</a:t>
+            </a:r>
           </a:p>
         </p:txBody>
       </p:sp>
@@ -38940,66 +39426,6 @@
       </p:grpSpPr>
       <p:sp>
         <p:nvSpPr>
-          <p:cNvPr id="2" name="Rectangle 1">
-            <a:extLst>
-              <a:ext uri="{FF2B5EF4-FFF2-40B4-BE49-F238E27FC236}">
-                <a16:creationId xmlns:a16="http://schemas.microsoft.com/office/drawing/2014/main" id="{8355A523-D815-2F48-BF2C-6316B1C99EBA}"/>
-              </a:ext>
-            </a:extLst>
-          </p:cNvPr>
-          <p:cNvSpPr/>
-          <p:nvPr/>
-        </p:nvSpPr>
-        <p:spPr>
-          <a:xfrm>
-            <a:off x="0" y="0"/>
-            <a:ext cx="12192000" cy="6858000"/>
-          </a:xfrm>
-          <a:prstGeom prst="rect">
-            <a:avLst/>
-          </a:prstGeom>
-          <a:solidFill>
-            <a:schemeClr val="bg1">
-              <a:lumMod val="85000"/>
-              <a:alpha val="23000"/>
-            </a:schemeClr>
-          </a:solidFill>
-        </p:spPr>
-        <p:style>
-          <a:lnRef idx="2">
-            <a:schemeClr val="accent1">
-              <a:shade val="50000"/>
-            </a:schemeClr>
-          </a:lnRef>
-          <a:fillRef idx="1">
-            <a:schemeClr val="accent1"/>
-          </a:fillRef>
-          <a:effectRef idx="0">
-            <a:schemeClr val="accent1"/>
-          </a:effectRef>
-          <a:fontRef idx="minor">
-            <a:schemeClr val="lt1"/>
-          </a:fontRef>
-        </p:style>
-        <p:txBody>
-          <a:bodyPr rtlCol="0" anchor="ctr"/>
-          <a:lstStyle/>
-          <a:p>
-            <a:pPr algn="ctr"/>
-            <a:r>
-              <a:rPr lang="fr-FR" dirty="0"/>
-              <a:t>pp</a:t>
-            </a:r>
-            <a:r>
-              <a:rPr lang="fr-FR" b="1" dirty="0"/>
-              <a:t>0</a:t>
-            </a:r>
-            <a:endParaRPr lang="fr-FR" dirty="0"/>
-          </a:p>
-        </p:txBody>
-      </p:sp>
-      <p:sp>
-        <p:nvSpPr>
           <p:cNvPr id="28" name="Rectangle 27">
             <a:extLst>
               <a:ext uri="{FF2B5EF4-FFF2-40B4-BE49-F238E27FC236}">
@@ -39050,25 +39476,17 @@
             </a:r>
             <a:r>
               <a:rPr lang="fr-FR" sz="5400" b="1" dirty="0"/>
-              <a:t>  Modélisation – </a:t>
-            </a:r>
-            <a:r>
-              <a:rPr lang="fr-FR" sz="5400" b="1" dirty="0" err="1"/>
-              <a:t>GridSearch</a:t>
-            </a:r>
-            <a:r>
-              <a:rPr lang="fr-FR" sz="5400" b="1" dirty="0"/>
-              <a:t> </a:t>
+              <a:t>  Modélisation – Métrique d’évaluation </a:t>
             </a:r>
           </a:p>
         </p:txBody>
       </p:sp>
       <p:pic>
         <p:nvPicPr>
-          <p:cNvPr id="10" name="Image 9" descr="Une image contenant table&#10;&#10;Description générée automatiquement">
+          <p:cNvPr id="3" name="Image 2" descr="Une image contenant graphique&#10;&#10;Description générée automatiquement">
             <a:extLst>
               <a:ext uri="{FF2B5EF4-FFF2-40B4-BE49-F238E27FC236}">
-                <a16:creationId xmlns:a16="http://schemas.microsoft.com/office/drawing/2014/main" id="{E04D34C9-E840-9997-3EC0-1F8F001C46AE}"/>
+                <a16:creationId xmlns:a16="http://schemas.microsoft.com/office/drawing/2014/main" id="{9DFBD959-16E4-D8F5-704D-459F2528831D}"/>
               </a:ext>
             </a:extLst>
           </p:cNvPr>
@@ -39085,8 +39503,8 @@
         </p:blipFill>
         <p:spPr>
           <a:xfrm>
-            <a:off x="342857" y="1413588"/>
-            <a:ext cx="11457709" cy="5146875"/>
+            <a:off x="6801427" y="1661428"/>
+            <a:ext cx="4851400" cy="4699000"/>
           </a:xfrm>
           <a:prstGeom prst="rect">
             <a:avLst/>
@@ -39095,210 +39513,288 @@
       </p:pic>
       <p:sp>
         <p:nvSpPr>
-          <p:cNvPr id="11" name="Rectangle 10">
+          <p:cNvPr id="5" name="ZoneTexte 4">
             <a:extLst>
               <a:ext uri="{FF2B5EF4-FFF2-40B4-BE49-F238E27FC236}">
-                <a16:creationId xmlns:a16="http://schemas.microsoft.com/office/drawing/2014/main" id="{98CA33B5-D44C-20BD-4EA2-0371935BE77C}"/>
+                <a16:creationId xmlns:a16="http://schemas.microsoft.com/office/drawing/2014/main" id="{0751DAFA-F685-79BA-F111-008CF26331E0}"/>
               </a:ext>
             </a:extLst>
           </p:cNvPr>
-          <p:cNvSpPr/>
+          <p:cNvSpPr txBox="1"/>
           <p:nvPr/>
         </p:nvSpPr>
         <p:spPr>
           <a:xfrm>
-            <a:off x="8437418" y="4603554"/>
-            <a:ext cx="955964" cy="245538"/>
+            <a:off x="872836" y="1814946"/>
+            <a:ext cx="4003963" cy="3323987"/>
           </a:xfrm>
           <a:prstGeom prst="rect">
             <a:avLst/>
           </a:prstGeom>
-          <a:solidFill>
-            <a:srgbClr val="FF0000">
-              <a:alpha val="58789"/>
-            </a:srgbClr>
-          </a:solidFill>
+          <a:noFill/>
         </p:spPr>
-        <p:style>
-          <a:lnRef idx="2">
-            <a:schemeClr val="accent1">
-              <a:shade val="50000"/>
-            </a:schemeClr>
-          </a:lnRef>
-          <a:fillRef idx="1">
-            <a:schemeClr val="accent1"/>
-          </a:fillRef>
-          <a:effectRef idx="0">
-            <a:schemeClr val="accent1"/>
-          </a:effectRef>
-          <a:fontRef idx="minor">
-            <a:schemeClr val="lt1"/>
-          </a:fontRef>
-        </p:style>
         <p:txBody>
-          <a:bodyPr rtlCol="0" anchor="ctr"/>
+          <a:bodyPr wrap="square" rtlCol="0">
+            <a:spAutoFit/>
+          </a:bodyPr>
           <a:lstStyle/>
           <a:p>
-            <a:pPr algn="ctr"/>
-            <a:endParaRPr lang="fr-FR"/>
+            <a:r>
+              <a:rPr lang="fr-FR" sz="2400" b="1" dirty="0"/>
+              <a:t>Métrique d’évaluation:</a:t>
+            </a:r>
+          </a:p>
+          <a:p>
+            <a:endParaRPr lang="fr-FR" dirty="0"/>
+          </a:p>
+          <a:p>
+            <a:pPr marL="285750" indent="-285750">
+              <a:buFont typeface="Arial" panose="020B0604020202020204" pitchFamily="34" charset="0"/>
+              <a:buChar char="•"/>
+            </a:pPr>
+            <a:r>
+              <a:rPr lang="fr-FR" sz="2400" dirty="0"/>
+              <a:t>RMSE:</a:t>
+            </a:r>
+          </a:p>
+          <a:p>
+            <a:pPr marL="285750" indent="-285750">
+              <a:buFont typeface="Arial" panose="020B0604020202020204" pitchFamily="34" charset="0"/>
+              <a:buChar char="•"/>
+            </a:pPr>
+            <a:r>
+              <a:rPr lang="fr-FR" sz="2400" dirty="0"/>
+              <a:t>MSE:</a:t>
+            </a:r>
+          </a:p>
+          <a:p>
+            <a:pPr marL="285750" indent="-285750">
+              <a:buFont typeface="Arial" panose="020B0604020202020204" pitchFamily="34" charset="0"/>
+              <a:buChar char="•"/>
+            </a:pPr>
+            <a:r>
+              <a:rPr lang="fr-FR" sz="2400" dirty="0"/>
+              <a:t>RSE:</a:t>
+            </a:r>
+          </a:p>
+          <a:p>
+            <a:pPr marL="285750" indent="-285750">
+              <a:buFont typeface="Arial" panose="020B0604020202020204" pitchFamily="34" charset="0"/>
+              <a:buChar char="•"/>
+            </a:pPr>
+            <a:r>
+              <a:rPr lang="fr-FR" sz="2400" b="1" dirty="0"/>
+              <a:t>ROC_AUC</a:t>
+            </a:r>
+            <a:r>
+              <a:rPr lang="fr-FR" sz="2400" dirty="0"/>
+              <a:t>:</a:t>
+            </a:r>
+          </a:p>
+          <a:p>
+            <a:pPr marL="285750" indent="-285750">
+              <a:buFont typeface="Arial" panose="020B0604020202020204" pitchFamily="34" charset="0"/>
+              <a:buChar char="•"/>
+            </a:pPr>
+            <a:r>
+              <a:rPr lang="fr-FR" sz="2400" dirty="0" err="1"/>
+              <a:t>Recall</a:t>
+            </a:r>
+            <a:r>
+              <a:rPr lang="fr-FR" sz="2400" dirty="0"/>
+              <a:t>:</a:t>
+            </a:r>
+          </a:p>
+          <a:p>
+            <a:pPr marL="285750" indent="-285750">
+              <a:buFont typeface="Arial" panose="020B0604020202020204" pitchFamily="34" charset="0"/>
+              <a:buChar char="•"/>
+            </a:pPr>
+            <a:r>
+              <a:rPr lang="fr-FR" sz="2400" dirty="0" err="1"/>
+              <a:t>Precision</a:t>
+            </a:r>
+            <a:r>
+              <a:rPr lang="fr-FR" sz="2400" dirty="0"/>
+              <a:t> :</a:t>
+            </a:r>
+          </a:p>
+          <a:p>
+            <a:pPr marL="285750" indent="-285750">
+              <a:buFont typeface="Arial" panose="020B0604020202020204" pitchFamily="34" charset="0"/>
+              <a:buChar char="•"/>
+            </a:pPr>
+            <a:r>
+              <a:rPr lang="fr-FR" sz="2400" dirty="0"/>
+              <a:t>Score F1  :</a:t>
+            </a:r>
           </a:p>
         </p:txBody>
       </p:sp>
-      <p:sp>
-        <p:nvSpPr>
-          <p:cNvPr id="4" name="Rectangle 3">
+      <p:cxnSp>
+        <p:nvCxnSpPr>
+          <p:cNvPr id="7" name="Connecteur droit avec flèche 6">
             <a:extLst>
               <a:ext uri="{FF2B5EF4-FFF2-40B4-BE49-F238E27FC236}">
-                <a16:creationId xmlns:a16="http://schemas.microsoft.com/office/drawing/2014/main" id="{F2D35409-A807-3C80-8846-8B78B63B7748}"/>
+                <a16:creationId xmlns:a16="http://schemas.microsoft.com/office/drawing/2014/main" id="{97D10F80-D325-2DA4-495F-7EDA5E1580A0}"/>
               </a:ext>
             </a:extLst>
           </p:cNvPr>
-          <p:cNvSpPr/>
+          <p:cNvCxnSpPr>
+            <a:cxnSpLocks/>
+          </p:cNvCxnSpPr>
+          <p:nvPr/>
+        </p:nvCxnSpPr>
+        <p:spPr>
+          <a:xfrm flipV="1">
+            <a:off x="9221354" y="1880050"/>
+            <a:ext cx="462973" cy="639136"/>
+          </a:xfrm>
+          <a:prstGeom prst="straightConnector1">
+            <a:avLst/>
+          </a:prstGeom>
+          <a:ln>
+            <a:tailEnd type="triangle"/>
+          </a:ln>
+        </p:spPr>
+        <p:style>
+          <a:lnRef idx="3">
+            <a:schemeClr val="accent2"/>
+          </a:lnRef>
+          <a:fillRef idx="0">
+            <a:schemeClr val="accent2"/>
+          </a:fillRef>
+          <a:effectRef idx="2">
+            <a:schemeClr val="accent2"/>
+          </a:effectRef>
+          <a:fontRef idx="minor">
+            <a:schemeClr val="tx1"/>
+          </a:fontRef>
+        </p:style>
+      </p:cxnSp>
+      <p:sp>
+        <p:nvSpPr>
+          <p:cNvPr id="9" name="ZoneTexte 8">
+            <a:extLst>
+              <a:ext uri="{FF2B5EF4-FFF2-40B4-BE49-F238E27FC236}">
+                <a16:creationId xmlns:a16="http://schemas.microsoft.com/office/drawing/2014/main" id="{17AF397E-2DB2-73EF-851E-081160F8BF2B}"/>
+              </a:ext>
+            </a:extLst>
+          </p:cNvPr>
+          <p:cNvSpPr txBox="1"/>
           <p:nvPr/>
         </p:nvSpPr>
         <p:spPr>
           <a:xfrm>
-            <a:off x="7279105" y="4603554"/>
-            <a:ext cx="986590" cy="245538"/>
+            <a:off x="9401463" y="1461373"/>
+            <a:ext cx="1571337" cy="400110"/>
           </a:xfrm>
           <a:prstGeom prst="rect">
             <a:avLst/>
           </a:prstGeom>
-          <a:solidFill>
-            <a:schemeClr val="accent6">
-              <a:alpha val="53743"/>
-            </a:schemeClr>
-          </a:solidFill>
+          <a:noFill/>
         </p:spPr>
-        <p:style>
-          <a:lnRef idx="2">
-            <a:schemeClr val="accent1">
-              <a:shade val="50000"/>
-            </a:schemeClr>
-          </a:lnRef>
-          <a:fillRef idx="1">
-            <a:schemeClr val="accent1"/>
-          </a:fillRef>
-          <a:effectRef idx="0">
-            <a:schemeClr val="accent1"/>
-          </a:effectRef>
-          <a:fontRef idx="minor">
-            <a:schemeClr val="lt1"/>
-          </a:fontRef>
-        </p:style>
         <p:txBody>
-          <a:bodyPr rtlCol="0" anchor="ctr"/>
+          <a:bodyPr wrap="square" rtlCol="0">
+            <a:spAutoFit/>
+          </a:bodyPr>
           <a:lstStyle/>
           <a:p>
-            <a:pPr algn="ctr"/>
-            <a:endParaRPr lang="fr-FR"/>
+            <a:r>
+              <a:rPr lang="fr-FR" sz="2000" b="1" dirty="0">
+                <a:solidFill>
+                  <a:schemeClr val="accent2"/>
+                </a:solidFill>
+              </a:rPr>
+              <a:t>LGBM 0.78</a:t>
+            </a:r>
           </a:p>
         </p:txBody>
       </p:sp>
-      <p:sp>
-        <p:nvSpPr>
-          <p:cNvPr id="5" name="Rectangle 4">
+      <p:cxnSp>
+        <p:nvCxnSpPr>
+          <p:cNvPr id="12" name="Connecteur droit avec flèche 11">
             <a:extLst>
               <a:ext uri="{FF2B5EF4-FFF2-40B4-BE49-F238E27FC236}">
-                <a16:creationId xmlns:a16="http://schemas.microsoft.com/office/drawing/2014/main" id="{3C191CE7-A27A-8BD1-746A-D3BB858F5D91}"/>
+                <a16:creationId xmlns:a16="http://schemas.microsoft.com/office/drawing/2014/main" id="{B1F1757F-309A-74FA-6FA1-B709B8627167}"/>
               </a:ext>
             </a:extLst>
           </p:cNvPr>
-          <p:cNvSpPr/>
+          <p:cNvCxnSpPr>
+            <a:cxnSpLocks/>
+          </p:cNvCxnSpPr>
+          <p:nvPr/>
+        </p:nvCxnSpPr>
+        <p:spPr>
+          <a:xfrm flipV="1">
+            <a:off x="8764154" y="4415771"/>
+            <a:ext cx="727364" cy="357313"/>
+          </a:xfrm>
+          <a:prstGeom prst="straightConnector1">
+            <a:avLst/>
+          </a:prstGeom>
+          <a:ln>
+            <a:tailEnd type="triangle"/>
+          </a:ln>
+        </p:spPr>
+        <p:style>
+          <a:lnRef idx="3">
+            <a:schemeClr val="accent5"/>
+          </a:lnRef>
+          <a:fillRef idx="0">
+            <a:schemeClr val="accent5"/>
+          </a:fillRef>
+          <a:effectRef idx="2">
+            <a:schemeClr val="accent5"/>
+          </a:effectRef>
+          <a:fontRef idx="minor">
+            <a:schemeClr val="tx1"/>
+          </a:fontRef>
+        </p:style>
+      </p:cxnSp>
+      <p:sp>
+        <p:nvSpPr>
+          <p:cNvPr id="17" name="ZoneTexte 16">
+            <a:extLst>
+              <a:ext uri="{FF2B5EF4-FFF2-40B4-BE49-F238E27FC236}">
+                <a16:creationId xmlns:a16="http://schemas.microsoft.com/office/drawing/2014/main" id="{0BE9FC90-BC9C-8242-5815-3FE1FAAAD221}"/>
+              </a:ext>
+            </a:extLst>
+          </p:cNvPr>
+          <p:cNvSpPr txBox="1"/>
           <p:nvPr/>
         </p:nvSpPr>
         <p:spPr>
           <a:xfrm>
-            <a:off x="7279105" y="6085990"/>
-            <a:ext cx="986590" cy="245538"/>
+            <a:off x="9252800" y="4573029"/>
+            <a:ext cx="2565316" cy="400110"/>
           </a:xfrm>
           <a:prstGeom prst="rect">
             <a:avLst/>
           </a:prstGeom>
-          <a:solidFill>
-            <a:schemeClr val="accent6">
-              <a:alpha val="53743"/>
-            </a:schemeClr>
-          </a:solidFill>
+          <a:noFill/>
         </p:spPr>
-        <p:style>
-          <a:lnRef idx="2">
-            <a:schemeClr val="accent1">
-              <a:shade val="50000"/>
-            </a:schemeClr>
-          </a:lnRef>
-          <a:fillRef idx="1">
-            <a:schemeClr val="accent1"/>
-          </a:fillRef>
-          <a:effectRef idx="0">
-            <a:schemeClr val="accent1"/>
-          </a:effectRef>
-          <a:fontRef idx="minor">
-            <a:schemeClr val="lt1"/>
-          </a:fontRef>
-        </p:style>
         <p:txBody>
-          <a:bodyPr rtlCol="0" anchor="ctr"/>
+          <a:bodyPr wrap="square" rtlCol="0">
+            <a:spAutoFit/>
+          </a:bodyPr>
           <a:lstStyle/>
           <a:p>
-            <a:pPr algn="ctr"/>
-            <a:endParaRPr lang="fr-FR"/>
-          </a:p>
-        </p:txBody>
-      </p:sp>
-      <p:sp>
-        <p:nvSpPr>
-          <p:cNvPr id="6" name="Sourire 5">
-            <a:extLst>
-              <a:ext uri="{FF2B5EF4-FFF2-40B4-BE49-F238E27FC236}">
-                <a16:creationId xmlns:a16="http://schemas.microsoft.com/office/drawing/2014/main" id="{DF618256-EF6B-522A-B935-BF1964C55E48}"/>
-              </a:ext>
-            </a:extLst>
-          </p:cNvPr>
-          <p:cNvSpPr/>
-          <p:nvPr/>
-        </p:nvSpPr>
-        <p:spPr>
-          <a:xfrm>
-            <a:off x="7279105" y="1680246"/>
-            <a:ext cx="263236" cy="279014"/>
-          </a:xfrm>
-          <a:prstGeom prst="smileyFace">
-            <a:avLst/>
-          </a:prstGeom>
-          <a:solidFill>
-            <a:srgbClr val="FF0000"/>
-          </a:solidFill>
-        </p:spPr>
-        <p:style>
-          <a:lnRef idx="2">
-            <a:schemeClr val="accent1">
-              <a:shade val="50000"/>
-            </a:schemeClr>
-          </a:lnRef>
-          <a:fillRef idx="1">
-            <a:schemeClr val="accent1"/>
-          </a:fillRef>
-          <a:effectRef idx="0">
-            <a:schemeClr val="accent1"/>
-          </a:effectRef>
-          <a:fontRef idx="minor">
-            <a:schemeClr val="lt1"/>
-          </a:fontRef>
-        </p:style>
-        <p:txBody>
-          <a:bodyPr rtlCol="0" anchor="ctr"/>
-          <a:lstStyle/>
-          <a:p>
-            <a:pPr algn="ctr"/>
-            <a:endParaRPr lang="fr-FR"/>
+            <a:r>
+              <a:rPr lang="fr-FR" sz="2000" b="1" dirty="0">
+                <a:solidFill>
+                  <a:schemeClr val="accent1"/>
+                </a:solidFill>
+              </a:rPr>
+              <a:t>DummyClassifier:0.5</a:t>
+            </a:r>
           </a:p>
         </p:txBody>
       </p:sp>
     </p:spTree>
     <p:extLst>
       <p:ext uri="{BB962C8B-B14F-4D97-AF65-F5344CB8AC3E}">
-        <p14:creationId xmlns:p14="http://schemas.microsoft.com/office/powerpoint/2010/main" val="4086893777"/>
+        <p14:creationId xmlns:p14="http://schemas.microsoft.com/office/powerpoint/2010/main" val="602631840"/>
       </p:ext>
     </p:extLst>
   </p:cSld>

--- a/Lu_Jing_4_presentation_032023.pptx
+++ b/Lu_Jing_4_presentation_032023.pptx
@@ -216,7 +216,7 @@
           <a:p>
             <a:fld id="{14CC7F08-CF72-8544-B984-CC40748F068B}" type="datetimeFigureOut">
               <a:rPr lang="fr-FR" smtClean="0"/>
-              <a:t>22/03/2023</a:t>
+              <a:t>23/03/2023</a:t>
             </a:fld>
             <a:endParaRPr lang="fr-FR"/>
           </a:p>
@@ -798,21 +798,8 @@
           <a:p>
             <a:r>
               <a:rPr lang="fr-FR" dirty="0"/>
-              <a:t>Pour la fonction de cout je l’ai pas défini </a:t>
+              <a:t>Pour la fonction de cout je l’ai pas défini par hasard c’est mon recalcul de fonction de cout qui permet d’ajuster ce seuil pour que j’aie le moindre faux positif possible  </a:t>
             </a:r>
-            <a:r>
-              <a:rPr lang="fr-FR"/>
-              <a:t>par hasard c’est </a:t>
-            </a:r>
-            <a:r>
-              <a:rPr lang="fr-FR" dirty="0"/>
-              <a:t>mon recalcul de fonction de cout qui permet d’ajuster ce seuil pour que j’aie le moindre faux </a:t>
-            </a:r>
-            <a:r>
-              <a:rPr lang="fr-FR"/>
-              <a:t>positif possible  </a:t>
-            </a:r>
-            <a:endParaRPr lang="fr-FR" dirty="0"/>
           </a:p>
         </p:txBody>
       </p:sp>
@@ -2406,7 +2393,7 @@
           <a:p>
             <a:fld id="{44CB65AC-9BFE-4445-929E-52E4C4799334}" type="datetimeFigureOut">
               <a:rPr lang="fr-FR" smtClean="0"/>
-              <a:t>22/03/2023</a:t>
+              <a:t>23/03/2023</a:t>
             </a:fld>
             <a:endParaRPr lang="fr-FR"/>
           </a:p>
@@ -2604,7 +2591,7 @@
           <a:p>
             <a:fld id="{44CB65AC-9BFE-4445-929E-52E4C4799334}" type="datetimeFigureOut">
               <a:rPr lang="fr-FR" smtClean="0"/>
-              <a:t>22/03/2023</a:t>
+              <a:t>23/03/2023</a:t>
             </a:fld>
             <a:endParaRPr lang="fr-FR"/>
           </a:p>
@@ -2812,7 +2799,7 @@
           <a:p>
             <a:fld id="{44CB65AC-9BFE-4445-929E-52E4C4799334}" type="datetimeFigureOut">
               <a:rPr lang="fr-FR" smtClean="0"/>
-              <a:t>22/03/2023</a:t>
+              <a:t>23/03/2023</a:t>
             </a:fld>
             <a:endParaRPr lang="fr-FR"/>
           </a:p>
@@ -7513,7 +7500,7 @@
           <a:p>
             <a:fld id="{44CB65AC-9BFE-4445-929E-52E4C4799334}" type="datetimeFigureOut">
               <a:rPr lang="fr-FR" smtClean="0"/>
-              <a:t>22/03/2023</a:t>
+              <a:t>23/03/2023</a:t>
             </a:fld>
             <a:endParaRPr lang="fr-FR"/>
           </a:p>
@@ -18931,7 +18918,7 @@
           <a:p>
             <a:fld id="{44CB65AC-9BFE-4445-929E-52E4C4799334}" type="datetimeFigureOut">
               <a:rPr lang="fr-FR" smtClean="0"/>
-              <a:t>22/03/2023</a:t>
+              <a:t>23/03/2023</a:t>
             </a:fld>
             <a:endParaRPr lang="fr-FR"/>
           </a:p>
@@ -27537,7 +27524,7 @@
           <a:p>
             <a:fld id="{44CB65AC-9BFE-4445-929E-52E4C4799334}" type="datetimeFigureOut">
               <a:rPr lang="fr-FR" smtClean="0"/>
-              <a:t>22/03/2023</a:t>
+              <a:t>23/03/2023</a:t>
             </a:fld>
             <a:endParaRPr lang="fr-FR"/>
           </a:p>
@@ -28635,7 +28622,7 @@
           <a:p>
             <a:fld id="{44CB65AC-9BFE-4445-929E-52E4C4799334}" type="datetimeFigureOut">
               <a:rPr lang="fr-FR" smtClean="0"/>
-              <a:t>22/03/2023</a:t>
+              <a:t>23/03/2023</a:t>
             </a:fld>
             <a:endParaRPr lang="fr-FR"/>
           </a:p>
@@ -28776,7 +28763,7 @@
           <a:p>
             <a:fld id="{44CB65AC-9BFE-4445-929E-52E4C4799334}" type="datetimeFigureOut">
               <a:rPr lang="fr-FR" smtClean="0"/>
-              <a:t>22/03/2023</a:t>
+              <a:t>23/03/2023</a:t>
             </a:fld>
             <a:endParaRPr lang="fr-FR"/>
           </a:p>
@@ -28889,7 +28876,7 @@
           <a:p>
             <a:fld id="{44CB65AC-9BFE-4445-929E-52E4C4799334}" type="datetimeFigureOut">
               <a:rPr lang="fr-FR" smtClean="0"/>
-              <a:t>22/03/2023</a:t>
+              <a:t>23/03/2023</a:t>
             </a:fld>
             <a:endParaRPr lang="fr-FR"/>
           </a:p>
@@ -29200,7 +29187,7 @@
           <a:p>
             <a:fld id="{44CB65AC-9BFE-4445-929E-52E4C4799334}" type="datetimeFigureOut">
               <a:rPr lang="fr-FR" smtClean="0"/>
-              <a:t>22/03/2023</a:t>
+              <a:t>23/03/2023</a:t>
             </a:fld>
             <a:endParaRPr lang="fr-FR"/>
           </a:p>
@@ -29488,7 +29475,7 @@
           <a:p>
             <a:fld id="{44CB65AC-9BFE-4445-929E-52E4C4799334}" type="datetimeFigureOut">
               <a:rPr lang="fr-FR" smtClean="0"/>
-              <a:t>22/03/2023</a:t>
+              <a:t>23/03/2023</a:t>
             </a:fld>
             <a:endParaRPr lang="fr-FR"/>
           </a:p>
@@ -29729,7 +29716,7 @@
           <a:p>
             <a:fld id="{44CB65AC-9BFE-4445-929E-52E4C4799334}" type="datetimeFigureOut">
               <a:rPr lang="fr-FR" smtClean="0"/>
-              <a:t>22/03/2023</a:t>
+              <a:t>23/03/2023</a:t>
             </a:fld>
             <a:endParaRPr lang="fr-FR"/>
           </a:p>
@@ -33786,6 +33773,41 @@
           </a:prstGeom>
         </p:spPr>
       </p:pic>
+      <p:sp>
+        <p:nvSpPr>
+          <p:cNvPr id="3" name="ZoneTexte 2">
+            <a:extLst>
+              <a:ext uri="{FF2B5EF4-FFF2-40B4-BE49-F238E27FC236}">
+                <a16:creationId xmlns:a16="http://schemas.microsoft.com/office/drawing/2014/main" id="{BE5EA62D-C6B6-00D7-EF57-6296AE2932CA}"/>
+              </a:ext>
+            </a:extLst>
+          </p:cNvPr>
+          <p:cNvSpPr txBox="1"/>
+          <p:nvPr/>
+        </p:nvSpPr>
+        <p:spPr>
+          <a:xfrm>
+            <a:off x="3810000" y="4861560"/>
+            <a:ext cx="1173480" cy="369332"/>
+          </a:xfrm>
+          <a:prstGeom prst="rect">
+            <a:avLst/>
+          </a:prstGeom>
+          <a:noFill/>
+        </p:spPr>
+        <p:txBody>
+          <a:bodyPr wrap="square" rtlCol="0">
+            <a:spAutoFit/>
+          </a:bodyPr>
+          <a:lstStyle/>
+          <a:p>
+            <a:r>
+              <a:rPr lang="fr-FR" dirty="0"/>
+              <a:t>Seuil:0.92</a:t>
+            </a:r>
+          </a:p>
+        </p:txBody>
+      </p:sp>
     </p:spTree>
     <p:extLst>
       <p:ext uri="{BB962C8B-B14F-4D97-AF65-F5344CB8AC3E}">
